--- a/lectures/lecture_8/Lecture_8_Model_Fitting_Optimization_Techniques.pptx
+++ b/lectures/lecture_8/Lecture_8_Model_Fitting_Optimization_Techniques.pptx
@@ -5,14 +5,14 @@
     <p:sldMasterId id="2147483648" r:id="rId1"/>
   </p:sldMasterIdLst>
   <p:notesMasterIdLst>
-    <p:notesMasterId r:id="rId17"/>
+    <p:notesMasterId r:id="rId24"/>
   </p:notesMasterIdLst>
   <p:handoutMasterIdLst>
-    <p:handoutMasterId r:id="rId18"/>
+    <p:handoutMasterId r:id="rId25"/>
   </p:handoutMasterIdLst>
   <p:sldIdLst>
     <p:sldId id="347" r:id="rId2"/>
-    <p:sldId id="358" r:id="rId3"/>
+    <p:sldId id="363" r:id="rId3"/>
     <p:sldId id="353" r:id="rId4"/>
     <p:sldId id="350" r:id="rId5"/>
     <p:sldId id="349" r:id="rId6"/>
@@ -26,6 +26,13 @@
     <p:sldId id="356" r:id="rId14"/>
     <p:sldId id="357" r:id="rId15"/>
     <p:sldId id="352" r:id="rId16"/>
+    <p:sldId id="364" r:id="rId17"/>
+    <p:sldId id="365" r:id="rId18"/>
+    <p:sldId id="366" r:id="rId19"/>
+    <p:sldId id="359" r:id="rId20"/>
+    <p:sldId id="360" r:id="rId21"/>
+    <p:sldId id="361" r:id="rId22"/>
+    <p:sldId id="362" r:id="rId23"/>
   </p:sldIdLst>
   <p:sldSz cx="9144000" cy="6858000" type="screen4x3"/>
   <p:notesSz cx="6858000" cy="9144000"/>
@@ -288,7 +295,7 @@
               <a:pPr>
                 <a:defRPr/>
               </a:pPr>
-              <a:t>10/12/19</a:t>
+              <a:t>10/15/19</a:t>
             </a:fld>
             <a:endParaRPr lang="en-US" altLang="x-none"/>
           </a:p>
@@ -497,7 +504,7 @@
               <a:pPr>
                 <a:defRPr/>
               </a:pPr>
-              <a:t>10/12/19</a:t>
+              <a:t>10/15/19</a:t>
             </a:fld>
             <a:endParaRPr lang="en-US" altLang="x-none"/>
           </a:p>
@@ -5608,8 +5615,8 @@
           </a:prstGeom>
         </p:spPr>
       </p:pic>
-      <mc:AlternateContent xmlns:mc="http://schemas.openxmlformats.org/markup-compatibility/2006">
-        <mc:Choice xmlns:a14="http://schemas.microsoft.com/office/drawing/2010/main" Requires="a14">
+      <mc:AlternateContent xmlns:mc="http://schemas.openxmlformats.org/markup-compatibility/2006" xmlns:a14="http://schemas.microsoft.com/office/drawing/2010/main">
+        <mc:Choice Requires="a14">
           <p:sp>
             <p:nvSpPr>
               <p:cNvPr id="9" name="TextBox 8">
@@ -5638,6 +5645,7 @@
               </a:bodyPr>
               <a:lstStyle/>
               <a:p>
+                <a:pPr/>
                 <a14:m>
                   <m:oMathPara xmlns:m="http://schemas.openxmlformats.org/officeDocument/2006/math">
                     <m:oMathParaPr>
@@ -5689,7 +5697,7 @@
             </p:txBody>
           </p:sp>
         </mc:Choice>
-        <mc:Fallback>
+        <mc:Fallback xmlns="">
           <p:sp>
             <p:nvSpPr>
               <p:cNvPr id="9" name="TextBox 8">
@@ -5734,8 +5742,8 @@
           </p:sp>
         </mc:Fallback>
       </mc:AlternateContent>
-      <mc:AlternateContent xmlns:mc="http://schemas.openxmlformats.org/markup-compatibility/2006">
-        <mc:Choice xmlns:a14="http://schemas.microsoft.com/office/drawing/2010/main" Requires="a14">
+      <mc:AlternateContent xmlns:mc="http://schemas.openxmlformats.org/markup-compatibility/2006" xmlns:a14="http://schemas.microsoft.com/office/drawing/2010/main">
+        <mc:Choice Requires="a14">
           <p:sp>
             <p:nvSpPr>
               <p:cNvPr id="10" name="TextBox 9">
@@ -5764,6 +5772,7 @@
               </a:bodyPr>
               <a:lstStyle/>
               <a:p>
+                <a:pPr/>
                 <a14:m>
                   <m:oMathPara xmlns:m="http://schemas.openxmlformats.org/officeDocument/2006/math">
                     <m:oMathParaPr>
@@ -5815,7 +5824,7 @@
             </p:txBody>
           </p:sp>
         </mc:Choice>
-        <mc:Fallback>
+        <mc:Fallback xmlns="">
           <p:sp>
             <p:nvSpPr>
               <p:cNvPr id="10" name="TextBox 9">
@@ -5860,8 +5869,8 @@
           </p:sp>
         </mc:Fallback>
       </mc:AlternateContent>
-      <mc:AlternateContent xmlns:mc="http://schemas.openxmlformats.org/markup-compatibility/2006">
-        <mc:Choice xmlns:a14="http://schemas.microsoft.com/office/drawing/2010/main" Requires="a14">
+      <mc:AlternateContent xmlns:mc="http://schemas.openxmlformats.org/markup-compatibility/2006" xmlns:a14="http://schemas.microsoft.com/office/drawing/2010/main">
+        <mc:Choice Requires="a14">
           <p:sp>
             <p:nvSpPr>
               <p:cNvPr id="11" name="TextBox 10">
@@ -5890,6 +5899,7 @@
               </a:bodyPr>
               <a:lstStyle/>
               <a:p>
+                <a:pPr/>
                 <a14:m>
                   <m:oMathPara xmlns:m="http://schemas.openxmlformats.org/officeDocument/2006/math">
                     <m:oMathParaPr>
@@ -5940,7 +5950,7 @@
             </p:txBody>
           </p:sp>
         </mc:Choice>
-        <mc:Fallback>
+        <mc:Fallback xmlns="">
           <p:sp>
             <p:nvSpPr>
               <p:cNvPr id="11" name="TextBox 10">
@@ -6128,8 +6138,8 @@
             </a:prstGeom>
           </p:spPr>
         </p:pic>
-        <mc:AlternateContent xmlns:mc="http://schemas.openxmlformats.org/markup-compatibility/2006">
-          <mc:Choice xmlns:a14="http://schemas.microsoft.com/office/drawing/2010/main" Requires="a14">
+        <mc:AlternateContent xmlns:mc="http://schemas.openxmlformats.org/markup-compatibility/2006" xmlns:a14="http://schemas.microsoft.com/office/drawing/2010/main">
+          <mc:Choice Requires="a14">
             <p:sp>
               <p:nvSpPr>
                 <p:cNvPr id="7" name="TextBox 6">
@@ -6160,6 +6170,7 @@
                 </a:bodyPr>
                 <a:lstStyle/>
                 <a:p>
+                  <a:pPr/>
                   <a14:m>
                     <m:oMathPara xmlns:m="http://schemas.openxmlformats.org/officeDocument/2006/math">
                       <m:oMathParaPr>
@@ -6199,7 +6210,7 @@
               </p:txBody>
             </p:sp>
           </mc:Choice>
-          <mc:Fallback>
+          <mc:Fallback xmlns="">
             <p:sp>
               <p:nvSpPr>
                 <p:cNvPr id="7" name="TextBox 6">
@@ -6245,8 +6256,8 @@
           </mc:Fallback>
         </mc:AlternateContent>
       </p:grpSp>
-      <mc:AlternateContent xmlns:mc="http://schemas.openxmlformats.org/markup-compatibility/2006">
-        <mc:Choice xmlns:a14="http://schemas.microsoft.com/office/drawing/2010/main" Requires="a14">
+      <mc:AlternateContent xmlns:mc="http://schemas.openxmlformats.org/markup-compatibility/2006" xmlns:a14="http://schemas.microsoft.com/office/drawing/2010/main">
+        <mc:Choice Requires="a14">
           <p:sp>
             <p:nvSpPr>
               <p:cNvPr id="8" name="TextBox 7">
@@ -6334,7 +6345,7 @@
             </p:txBody>
           </p:sp>
         </mc:Choice>
-        <mc:Fallback>
+        <mc:Fallback xmlns="">
           <p:sp>
             <p:nvSpPr>
               <p:cNvPr id="8" name="TextBox 7">
@@ -6580,8 +6591,8 @@
           </a:p>
         </p:txBody>
       </p:sp>
-      <mc:AlternateContent xmlns:mc="http://schemas.openxmlformats.org/markup-compatibility/2006">
-        <mc:Choice xmlns:a14="http://schemas.microsoft.com/office/drawing/2010/main" Requires="a14">
+      <mc:AlternateContent xmlns:mc="http://schemas.openxmlformats.org/markup-compatibility/2006" xmlns:a14="http://schemas.microsoft.com/office/drawing/2010/main">
+        <mc:Choice Requires="a14">
           <p:sp>
             <p:nvSpPr>
               <p:cNvPr id="7" name="TextBox 6">
@@ -7085,7 +7096,7 @@
             </p:txBody>
           </p:sp>
         </mc:Choice>
-        <mc:Fallback>
+        <mc:Fallback xmlns="">
           <p:sp>
             <p:nvSpPr>
               <p:cNvPr id="7" name="TextBox 6">
@@ -7245,8 +7256,8 @@
             </a:prstGeom>
           </p:spPr>
         </p:pic>
-        <mc:AlternateContent xmlns:mc="http://schemas.openxmlformats.org/markup-compatibility/2006">
-          <mc:Choice xmlns:a14="http://schemas.microsoft.com/office/drawing/2010/main" Requires="a14">
+        <mc:AlternateContent xmlns:mc="http://schemas.openxmlformats.org/markup-compatibility/2006" xmlns:a14="http://schemas.microsoft.com/office/drawing/2010/main">
+          <mc:Choice Requires="a14">
             <p:sp>
               <p:nvSpPr>
                 <p:cNvPr id="10" name="TextBox 9">
@@ -7315,7 +7326,7 @@
               </p:txBody>
             </p:sp>
           </mc:Choice>
-          <mc:Fallback>
+          <mc:Fallback xmlns="">
             <p:sp>
               <p:nvSpPr>
                 <p:cNvPr id="10" name="TextBox 9">
@@ -7360,8 +7371,8 @@
             </p:sp>
           </mc:Fallback>
         </mc:AlternateContent>
-        <mc:AlternateContent xmlns:mc="http://schemas.openxmlformats.org/markup-compatibility/2006">
-          <mc:Choice xmlns:a14="http://schemas.microsoft.com/office/drawing/2010/main" Requires="a14">
+        <mc:AlternateContent xmlns:mc="http://schemas.openxmlformats.org/markup-compatibility/2006" xmlns:a14="http://schemas.microsoft.com/office/drawing/2010/main">
+          <mc:Choice Requires="a14">
             <p:sp>
               <p:nvSpPr>
                 <p:cNvPr id="11" name="TextBox 10">
@@ -7430,7 +7441,7 @@
               </p:txBody>
             </p:sp>
           </mc:Choice>
-          <mc:Fallback>
+          <mc:Fallback xmlns="">
             <p:sp>
               <p:nvSpPr>
                 <p:cNvPr id="11" name="TextBox 10">
@@ -7475,8 +7486,8 @@
             </p:sp>
           </mc:Fallback>
         </mc:AlternateContent>
-        <mc:AlternateContent xmlns:mc="http://schemas.openxmlformats.org/markup-compatibility/2006">
-          <mc:Choice xmlns:a14="http://schemas.microsoft.com/office/drawing/2010/main" Requires="a14">
+        <mc:AlternateContent xmlns:mc="http://schemas.openxmlformats.org/markup-compatibility/2006" xmlns:a14="http://schemas.microsoft.com/office/drawing/2010/main">
+          <mc:Choice Requires="a14">
             <p:sp>
               <p:nvSpPr>
                 <p:cNvPr id="12" name="TextBox 11">
@@ -7507,6 +7518,7 @@
                 </a:bodyPr>
                 <a:lstStyle/>
                 <a:p>
+                  <a:pPr/>
                   <a14:m>
                     <m:oMathPara xmlns:m="http://schemas.openxmlformats.org/officeDocument/2006/math">
                       <m:oMathParaPr>
@@ -7546,7 +7558,7 @@
               </p:txBody>
             </p:sp>
           </mc:Choice>
-          <mc:Fallback>
+          <mc:Fallback xmlns="">
             <p:sp>
               <p:nvSpPr>
                 <p:cNvPr id="12" name="TextBox 11">
@@ -7591,8 +7603,8 @@
             </p:sp>
           </mc:Fallback>
         </mc:AlternateContent>
-        <mc:AlternateContent xmlns:mc="http://schemas.openxmlformats.org/markup-compatibility/2006">
-          <mc:Choice xmlns:a14="http://schemas.microsoft.com/office/drawing/2010/main" Requires="a14">
+        <mc:AlternateContent xmlns:mc="http://schemas.openxmlformats.org/markup-compatibility/2006" xmlns:a14="http://schemas.microsoft.com/office/drawing/2010/main">
+          <mc:Choice Requires="a14">
             <p:sp>
               <p:nvSpPr>
                 <p:cNvPr id="13" name="TextBox 12">
@@ -7623,6 +7635,7 @@
                 </a:bodyPr>
                 <a:lstStyle/>
                 <a:p>
+                  <a:pPr/>
                   <a14:m>
                     <m:oMathPara xmlns:m="http://schemas.openxmlformats.org/officeDocument/2006/math">
                       <m:oMathParaPr>
@@ -7662,7 +7675,7 @@
               </p:txBody>
             </p:sp>
           </mc:Choice>
-          <mc:Fallback>
+          <mc:Fallback xmlns="">
             <p:sp>
               <p:nvSpPr>
                 <p:cNvPr id="13" name="TextBox 12">
@@ -7707,8 +7720,8 @@
             </p:sp>
           </mc:Fallback>
         </mc:AlternateContent>
-        <mc:AlternateContent xmlns:mc="http://schemas.openxmlformats.org/markup-compatibility/2006">
-          <mc:Choice xmlns:a14="http://schemas.microsoft.com/office/drawing/2010/main" Requires="a14">
+        <mc:AlternateContent xmlns:mc="http://schemas.openxmlformats.org/markup-compatibility/2006" xmlns:a14="http://schemas.microsoft.com/office/drawing/2010/main">
+          <mc:Choice Requires="a14">
             <p:sp>
               <p:nvSpPr>
                 <p:cNvPr id="14" name="TextBox 13">
@@ -7739,6 +7752,7 @@
                 </a:bodyPr>
                 <a:lstStyle/>
                 <a:p>
+                  <a:pPr/>
                   <a14:m>
                     <m:oMathPara xmlns:m="http://schemas.openxmlformats.org/officeDocument/2006/math">
                       <m:oMathParaPr>
@@ -7778,7 +7792,7 @@
               </p:txBody>
             </p:sp>
           </mc:Choice>
-          <mc:Fallback>
+          <mc:Fallback xmlns="">
             <p:sp>
               <p:nvSpPr>
                 <p:cNvPr id="14" name="TextBox 13">
@@ -8123,8 +8137,8 @@
           </a:p>
         </p:txBody>
       </p:sp>
-      <mc:AlternateContent xmlns:mc="http://schemas.openxmlformats.org/markup-compatibility/2006">
-        <mc:Choice xmlns:a14="http://schemas.microsoft.com/office/drawing/2010/main" Requires="a14">
+      <mc:AlternateContent xmlns:mc="http://schemas.openxmlformats.org/markup-compatibility/2006" xmlns:a14="http://schemas.microsoft.com/office/drawing/2010/main">
+        <mc:Choice Requires="a14">
           <p:sp>
             <p:nvSpPr>
               <p:cNvPr id="5" name="Content Placeholder 4">
@@ -8384,19 +8398,7 @@
                             <a:rPr lang="en-US" i="1">
                               <a:latin typeface="Cambria Math" panose="02040503050406030204" pitchFamily="18" charset="0"/>
                             </a:rPr>
-                            <m:t>′</m:t>
-                          </m:r>
-                          <m:r>
-                            <a:rPr lang="en-US" b="0" i="1" smtClean="0">
-                              <a:latin typeface="Cambria Math" panose="02040503050406030204" pitchFamily="18" charset="0"/>
-                            </a:rPr>
-                            <m:t>′</m:t>
-                          </m:r>
-                          <m:r>
-                            <a:rPr lang="en-US" i="1">
-                              <a:latin typeface="Cambria Math" panose="02040503050406030204" pitchFamily="18" charset="0"/>
-                            </a:rPr>
-                            <m:t>(</m:t>
+                            <m:t>′′(</m:t>
                           </m:r>
                           <m:sSup>
                             <m:sSupPr>
@@ -8719,7 +8721,7 @@
             </p:txBody>
           </p:sp>
         </mc:Choice>
-        <mc:Fallback>
+        <mc:Fallback xmlns="">
           <p:sp>
             <p:nvSpPr>
               <p:cNvPr id="5" name="Content Placeholder 4">
@@ -8910,8 +8912,8 @@
         </p:blipFill>
         <p:spPr>
           <a:xfrm>
-            <a:off x="2047875" y="1200873"/>
-            <a:ext cx="4495800" cy="2613647"/>
+            <a:off x="685800" y="990601"/>
+            <a:ext cx="3895725" cy="2264792"/>
           </a:xfrm>
         </p:spPr>
       </p:pic>
@@ -8950,10 +8952,1465 @@
           </a:p>
         </p:txBody>
       </p:sp>
+      <p:sp>
+        <p:nvSpPr>
+          <p:cNvPr id="3" name="Rectangle 2">
+            <a:extLst>
+              <a:ext uri="{FF2B5EF4-FFF2-40B4-BE49-F238E27FC236}">
+                <a16:creationId xmlns:a16="http://schemas.microsoft.com/office/drawing/2014/main" id="{1FE7BAC4-60D2-744F-9B4A-F531AD2EA7BF}"/>
+              </a:ext>
+            </a:extLst>
+          </p:cNvPr>
+          <p:cNvSpPr/>
+          <p:nvPr/>
+        </p:nvSpPr>
+        <p:spPr>
+          <a:xfrm>
+            <a:off x="609600" y="3276600"/>
+            <a:ext cx="8229600" cy="2677656"/>
+          </a:xfrm>
+          <a:prstGeom prst="rect">
+            <a:avLst/>
+          </a:prstGeom>
+        </p:spPr>
+        <p:txBody>
+          <a:bodyPr wrap="square">
+            <a:spAutoFit/>
+          </a:bodyPr>
+          <a:lstStyle/>
+          <a:p>
+            <a:pPr>
+              <a:buFont typeface="Arial" panose="020B0604020202020204" pitchFamily="34" charset="0"/>
+              <a:buChar char="•"/>
+            </a:pPr>
+            <a:r>
+              <a:rPr lang="en-US" sz="2400" dirty="0">
+                <a:solidFill>
+                  <a:srgbClr val="222222"/>
+                </a:solidFill>
+                <a:latin typeface="Courier New" panose="02070309020205020404" pitchFamily="49" charset="0"/>
+                <a:cs typeface="Courier New" panose="02070309020205020404" pitchFamily="49" charset="0"/>
+              </a:rPr>
+              <a:t>Let </a:t>
+            </a:r>
+            <a:r>
+              <a:rPr lang="en-US" sz="2400" i="1" dirty="0">
+                <a:solidFill>
+                  <a:srgbClr val="222222"/>
+                </a:solidFill>
+                <a:latin typeface="Courier New" panose="02070309020205020404" pitchFamily="49" charset="0"/>
+                <a:cs typeface="Courier New" panose="02070309020205020404" pitchFamily="49" charset="0"/>
+              </a:rPr>
+              <a:t>s</a:t>
+            </a:r>
+            <a:r>
+              <a:rPr lang="en-US" sz="2400" dirty="0">
+                <a:solidFill>
+                  <a:srgbClr val="222222"/>
+                </a:solidFill>
+                <a:latin typeface="Courier New" panose="02070309020205020404" pitchFamily="49" charset="0"/>
+                <a:cs typeface="Courier New" panose="02070309020205020404" pitchFamily="49" charset="0"/>
+              </a:rPr>
+              <a:t> = </a:t>
+            </a:r>
+            <a:r>
+              <a:rPr lang="en-US" sz="2400" i="1" dirty="0">
+                <a:solidFill>
+                  <a:srgbClr val="222222"/>
+                </a:solidFill>
+                <a:latin typeface="Courier New" panose="02070309020205020404" pitchFamily="49" charset="0"/>
+                <a:cs typeface="Courier New" panose="02070309020205020404" pitchFamily="49" charset="0"/>
+              </a:rPr>
+              <a:t>s</a:t>
+            </a:r>
+            <a:r>
+              <a:rPr lang="en-US" sz="2400" baseline="-25000" dirty="0">
+                <a:solidFill>
+                  <a:srgbClr val="222222"/>
+                </a:solidFill>
+                <a:latin typeface="Courier New" panose="02070309020205020404" pitchFamily="49" charset="0"/>
+                <a:cs typeface="Courier New" panose="02070309020205020404" pitchFamily="49" charset="0"/>
+              </a:rPr>
+              <a:t>0</a:t>
+            </a:r>
+            <a:endParaRPr lang="en-US" sz="2400" dirty="0">
+              <a:solidFill>
+                <a:srgbClr val="222222"/>
+              </a:solidFill>
+              <a:latin typeface="Courier New" panose="02070309020205020404" pitchFamily="49" charset="0"/>
+              <a:cs typeface="Courier New" panose="02070309020205020404" pitchFamily="49" charset="0"/>
+            </a:endParaRPr>
+          </a:p>
+          <a:p>
+            <a:pPr>
+              <a:buFont typeface="Arial" panose="020B0604020202020204" pitchFamily="34" charset="0"/>
+              <a:buChar char="•"/>
+            </a:pPr>
+            <a:r>
+              <a:rPr lang="en-US" sz="2400" dirty="0">
+                <a:solidFill>
+                  <a:srgbClr val="222222"/>
+                </a:solidFill>
+                <a:latin typeface="Courier New" panose="02070309020205020404" pitchFamily="49" charset="0"/>
+                <a:cs typeface="Courier New" panose="02070309020205020404" pitchFamily="49" charset="0"/>
+              </a:rPr>
+              <a:t>For </a:t>
+            </a:r>
+            <a:r>
+              <a:rPr lang="en-US" sz="2400" i="1" dirty="0">
+                <a:solidFill>
+                  <a:srgbClr val="222222"/>
+                </a:solidFill>
+                <a:latin typeface="Courier New" panose="02070309020205020404" pitchFamily="49" charset="0"/>
+                <a:cs typeface="Courier New" panose="02070309020205020404" pitchFamily="49" charset="0"/>
+              </a:rPr>
+              <a:t>k</a:t>
+            </a:r>
+            <a:r>
+              <a:rPr lang="en-US" sz="2400" dirty="0">
+                <a:solidFill>
+                  <a:srgbClr val="222222"/>
+                </a:solidFill>
+                <a:latin typeface="Courier New" panose="02070309020205020404" pitchFamily="49" charset="0"/>
+                <a:cs typeface="Courier New" panose="02070309020205020404" pitchFamily="49" charset="0"/>
+              </a:rPr>
+              <a:t> = 0 through </a:t>
+            </a:r>
+            <a:r>
+              <a:rPr lang="en-US" sz="2400" i="1" dirty="0" err="1">
+                <a:solidFill>
+                  <a:srgbClr val="222222"/>
+                </a:solidFill>
+                <a:latin typeface="Courier New" panose="02070309020205020404" pitchFamily="49" charset="0"/>
+                <a:cs typeface="Courier New" panose="02070309020205020404" pitchFamily="49" charset="0"/>
+              </a:rPr>
+              <a:t>k</a:t>
+            </a:r>
+            <a:r>
+              <a:rPr lang="en-US" sz="2400" baseline="-25000" dirty="0" err="1">
+                <a:solidFill>
+                  <a:srgbClr val="222222"/>
+                </a:solidFill>
+                <a:latin typeface="Courier New" panose="02070309020205020404" pitchFamily="49" charset="0"/>
+                <a:cs typeface="Courier New" panose="02070309020205020404" pitchFamily="49" charset="0"/>
+              </a:rPr>
+              <a:t>max</a:t>
+            </a:r>
+            <a:r>
+              <a:rPr lang="en-US" sz="2400" dirty="0">
+                <a:solidFill>
+                  <a:srgbClr val="222222"/>
+                </a:solidFill>
+                <a:latin typeface="Courier New" panose="02070309020205020404" pitchFamily="49" charset="0"/>
+                <a:cs typeface="Courier New" panose="02070309020205020404" pitchFamily="49" charset="0"/>
+              </a:rPr>
+              <a:t> (exclusive):</a:t>
+            </a:r>
+          </a:p>
+          <a:p>
+            <a:pPr marL="742950" lvl="1" indent="-285750">
+              <a:buFont typeface="Arial" panose="020B0604020202020204" pitchFamily="34" charset="0"/>
+              <a:buChar char="•"/>
+            </a:pPr>
+            <a:r>
+              <a:rPr lang="en-US" sz="2400" i="1" dirty="0">
+                <a:solidFill>
+                  <a:srgbClr val="222222"/>
+                </a:solidFill>
+                <a:latin typeface="Courier New" panose="02070309020205020404" pitchFamily="49" charset="0"/>
+                <a:cs typeface="Courier New" panose="02070309020205020404" pitchFamily="49" charset="0"/>
+              </a:rPr>
+              <a:t>T</a:t>
+            </a:r>
+            <a:r>
+              <a:rPr lang="en-US" sz="2400" dirty="0">
+                <a:solidFill>
+                  <a:srgbClr val="222222"/>
+                </a:solidFill>
+                <a:latin typeface="Courier New" panose="02070309020205020404" pitchFamily="49" charset="0"/>
+                <a:cs typeface="Courier New" panose="02070309020205020404" pitchFamily="49" charset="0"/>
+              </a:rPr>
+              <a:t> ← temperature( </a:t>
+            </a:r>
+            <a:r>
+              <a:rPr lang="en-US" sz="2400" i="1" dirty="0" err="1">
+                <a:solidFill>
+                  <a:srgbClr val="222222"/>
+                </a:solidFill>
+                <a:latin typeface="Courier New" panose="02070309020205020404" pitchFamily="49" charset="0"/>
+                <a:cs typeface="Courier New" panose="02070309020205020404" pitchFamily="49" charset="0"/>
+              </a:rPr>
+              <a:t>k</a:t>
+            </a:r>
+            <a:r>
+              <a:rPr lang="en-US" sz="2400" baseline="-25000" dirty="0" err="1">
+                <a:solidFill>
+                  <a:srgbClr val="222222"/>
+                </a:solidFill>
+                <a:latin typeface="Courier New" panose="02070309020205020404" pitchFamily="49" charset="0"/>
+                <a:cs typeface="Courier New" panose="02070309020205020404" pitchFamily="49" charset="0"/>
+              </a:rPr>
+              <a:t>max</a:t>
+            </a:r>
+            <a:r>
+              <a:rPr lang="en-US" sz="2400" dirty="0">
+                <a:solidFill>
+                  <a:srgbClr val="222222"/>
+                </a:solidFill>
+                <a:latin typeface="Courier New" panose="02070309020205020404" pitchFamily="49" charset="0"/>
+                <a:cs typeface="Courier New" panose="02070309020205020404" pitchFamily="49" charset="0"/>
+              </a:rPr>
+              <a:t>/</a:t>
+            </a:r>
+            <a:r>
+              <a:rPr lang="en-US" sz="2400" i="1" dirty="0">
+                <a:solidFill>
+                  <a:srgbClr val="222222"/>
+                </a:solidFill>
+                <a:latin typeface="Courier New" panose="02070309020205020404" pitchFamily="49" charset="0"/>
+                <a:cs typeface="Courier New" panose="02070309020205020404" pitchFamily="49" charset="0"/>
+              </a:rPr>
+              <a:t>(k+1)</a:t>
+            </a:r>
+            <a:r>
+              <a:rPr lang="en-US" sz="2400" dirty="0">
+                <a:solidFill>
+                  <a:srgbClr val="222222"/>
+                </a:solidFill>
+                <a:latin typeface="Courier New" panose="02070309020205020404" pitchFamily="49" charset="0"/>
+                <a:cs typeface="Courier New" panose="02070309020205020404" pitchFamily="49" charset="0"/>
+              </a:rPr>
+              <a:t> )</a:t>
+            </a:r>
+          </a:p>
+          <a:p>
+            <a:pPr marL="742950" lvl="1" indent="-285750">
+              <a:buFont typeface="Arial" panose="020B0604020202020204" pitchFamily="34" charset="0"/>
+              <a:buChar char="•"/>
+            </a:pPr>
+            <a:r>
+              <a:rPr lang="en-US" sz="2400" i="1" dirty="0" err="1">
+                <a:solidFill>
+                  <a:srgbClr val="222222"/>
+                </a:solidFill>
+                <a:latin typeface="Courier New" panose="02070309020205020404" pitchFamily="49" charset="0"/>
+                <a:cs typeface="Courier New" panose="02070309020205020404" pitchFamily="49" charset="0"/>
+              </a:rPr>
+              <a:t>s</a:t>
+            </a:r>
+            <a:r>
+              <a:rPr lang="en-US" sz="2400" baseline="-25000" dirty="0" err="1">
+                <a:solidFill>
+                  <a:srgbClr val="222222"/>
+                </a:solidFill>
+                <a:latin typeface="Courier New" panose="02070309020205020404" pitchFamily="49" charset="0"/>
+                <a:cs typeface="Courier New" panose="02070309020205020404" pitchFamily="49" charset="0"/>
+              </a:rPr>
+              <a:t>new</a:t>
+            </a:r>
+            <a:r>
+              <a:rPr lang="en-US" sz="2400" dirty="0">
+                <a:solidFill>
+                  <a:srgbClr val="222222"/>
+                </a:solidFill>
+                <a:latin typeface="Courier New" panose="02070309020205020404" pitchFamily="49" charset="0"/>
+                <a:cs typeface="Courier New" panose="02070309020205020404" pitchFamily="49" charset="0"/>
+              </a:rPr>
+              <a:t> ← random </a:t>
+            </a:r>
+            <a:r>
+              <a:rPr lang="en-US" sz="2400" dirty="0" err="1">
+                <a:solidFill>
+                  <a:srgbClr val="222222"/>
+                </a:solidFill>
+                <a:latin typeface="Courier New" panose="02070309020205020404" pitchFamily="49" charset="0"/>
+                <a:cs typeface="Courier New" panose="02070309020205020404" pitchFamily="49" charset="0"/>
+              </a:rPr>
+              <a:t>neighbour</a:t>
+            </a:r>
+            <a:r>
+              <a:rPr lang="en-US" sz="2400" dirty="0">
+                <a:solidFill>
+                  <a:srgbClr val="222222"/>
+                </a:solidFill>
+                <a:latin typeface="Courier New" panose="02070309020205020404" pitchFamily="49" charset="0"/>
+                <a:cs typeface="Courier New" panose="02070309020205020404" pitchFamily="49" charset="0"/>
+              </a:rPr>
+              <a:t>(</a:t>
+            </a:r>
+            <a:r>
+              <a:rPr lang="en-US" sz="2400" i="1" dirty="0">
+                <a:solidFill>
+                  <a:srgbClr val="222222"/>
+                </a:solidFill>
+                <a:latin typeface="Courier New" panose="02070309020205020404" pitchFamily="49" charset="0"/>
+                <a:cs typeface="Courier New" panose="02070309020205020404" pitchFamily="49" charset="0"/>
+              </a:rPr>
+              <a:t>s</a:t>
+            </a:r>
+            <a:r>
+              <a:rPr lang="en-US" sz="2400" dirty="0">
+                <a:solidFill>
+                  <a:srgbClr val="222222"/>
+                </a:solidFill>
+                <a:latin typeface="Courier New" panose="02070309020205020404" pitchFamily="49" charset="0"/>
+                <a:cs typeface="Courier New" panose="02070309020205020404" pitchFamily="49" charset="0"/>
+              </a:rPr>
+              <a:t>)</a:t>
+            </a:r>
+          </a:p>
+          <a:p>
+            <a:pPr marL="742950" lvl="1" indent="-285750">
+              <a:buFont typeface="Arial" panose="020B0604020202020204" pitchFamily="34" charset="0"/>
+              <a:buChar char="•"/>
+            </a:pPr>
+            <a:r>
+              <a:rPr lang="en-US" sz="2400" dirty="0">
+                <a:solidFill>
+                  <a:srgbClr val="222222"/>
+                </a:solidFill>
+                <a:latin typeface="Courier New" panose="02070309020205020404" pitchFamily="49" charset="0"/>
+                <a:cs typeface="Courier New" panose="02070309020205020404" pitchFamily="49" charset="0"/>
+              </a:rPr>
+              <a:t>If </a:t>
+            </a:r>
+            <a:r>
+              <a:rPr lang="en-US" sz="2400" i="1" dirty="0">
+                <a:solidFill>
+                  <a:srgbClr val="222222"/>
+                </a:solidFill>
+                <a:latin typeface="Courier New" panose="02070309020205020404" pitchFamily="49" charset="0"/>
+                <a:cs typeface="Courier New" panose="02070309020205020404" pitchFamily="49" charset="0"/>
+              </a:rPr>
+              <a:t>P</a:t>
+            </a:r>
+            <a:r>
+              <a:rPr lang="en-US" sz="2400" dirty="0">
+                <a:solidFill>
+                  <a:srgbClr val="222222"/>
+                </a:solidFill>
+                <a:latin typeface="Courier New" panose="02070309020205020404" pitchFamily="49" charset="0"/>
+                <a:cs typeface="Courier New" panose="02070309020205020404" pitchFamily="49" charset="0"/>
+              </a:rPr>
+              <a:t>(</a:t>
+            </a:r>
+            <a:r>
+              <a:rPr lang="en-US" sz="2400" i="1" dirty="0">
+                <a:solidFill>
+                  <a:srgbClr val="222222"/>
+                </a:solidFill>
+                <a:latin typeface="Courier New" panose="02070309020205020404" pitchFamily="49" charset="0"/>
+                <a:cs typeface="Courier New" panose="02070309020205020404" pitchFamily="49" charset="0"/>
+              </a:rPr>
+              <a:t>E</a:t>
+            </a:r>
+            <a:r>
+              <a:rPr lang="en-US" sz="2400" dirty="0">
+                <a:solidFill>
+                  <a:srgbClr val="222222"/>
+                </a:solidFill>
+                <a:latin typeface="Courier New" panose="02070309020205020404" pitchFamily="49" charset="0"/>
+                <a:cs typeface="Courier New" panose="02070309020205020404" pitchFamily="49" charset="0"/>
+              </a:rPr>
+              <a:t>(</a:t>
+            </a:r>
+            <a:r>
+              <a:rPr lang="en-US" sz="2400" i="1" dirty="0">
+                <a:solidFill>
+                  <a:srgbClr val="222222"/>
+                </a:solidFill>
+                <a:latin typeface="Courier New" panose="02070309020205020404" pitchFamily="49" charset="0"/>
+                <a:cs typeface="Courier New" panose="02070309020205020404" pitchFamily="49" charset="0"/>
+              </a:rPr>
+              <a:t>s</a:t>
+            </a:r>
+            <a:r>
+              <a:rPr lang="en-US" sz="2400" dirty="0">
+                <a:solidFill>
+                  <a:srgbClr val="222222"/>
+                </a:solidFill>
+                <a:latin typeface="Courier New" panose="02070309020205020404" pitchFamily="49" charset="0"/>
+                <a:cs typeface="Courier New" panose="02070309020205020404" pitchFamily="49" charset="0"/>
+              </a:rPr>
+              <a:t>), </a:t>
+            </a:r>
+            <a:r>
+              <a:rPr lang="en-US" sz="2400" i="1" dirty="0">
+                <a:solidFill>
+                  <a:srgbClr val="222222"/>
+                </a:solidFill>
+                <a:latin typeface="Courier New" panose="02070309020205020404" pitchFamily="49" charset="0"/>
+                <a:cs typeface="Courier New" panose="02070309020205020404" pitchFamily="49" charset="0"/>
+              </a:rPr>
+              <a:t>E</a:t>
+            </a:r>
+            <a:r>
+              <a:rPr lang="en-US" sz="2400" dirty="0">
+                <a:solidFill>
+                  <a:srgbClr val="222222"/>
+                </a:solidFill>
+                <a:latin typeface="Courier New" panose="02070309020205020404" pitchFamily="49" charset="0"/>
+                <a:cs typeface="Courier New" panose="02070309020205020404" pitchFamily="49" charset="0"/>
+              </a:rPr>
+              <a:t>(</a:t>
+            </a:r>
+            <a:r>
+              <a:rPr lang="en-US" sz="2400" i="1" dirty="0" err="1">
+                <a:solidFill>
+                  <a:srgbClr val="222222"/>
+                </a:solidFill>
+                <a:latin typeface="Courier New" panose="02070309020205020404" pitchFamily="49" charset="0"/>
+                <a:cs typeface="Courier New" panose="02070309020205020404" pitchFamily="49" charset="0"/>
+              </a:rPr>
+              <a:t>s</a:t>
+            </a:r>
+            <a:r>
+              <a:rPr lang="en-US" sz="2400" baseline="-25000" dirty="0" err="1">
+                <a:solidFill>
+                  <a:srgbClr val="222222"/>
+                </a:solidFill>
+                <a:latin typeface="Courier New" panose="02070309020205020404" pitchFamily="49" charset="0"/>
+                <a:cs typeface="Courier New" panose="02070309020205020404" pitchFamily="49" charset="0"/>
+              </a:rPr>
+              <a:t>new</a:t>
+            </a:r>
+            <a:r>
+              <a:rPr lang="en-US" sz="2400" dirty="0">
+                <a:solidFill>
+                  <a:srgbClr val="222222"/>
+                </a:solidFill>
+                <a:latin typeface="Courier New" panose="02070309020205020404" pitchFamily="49" charset="0"/>
+                <a:cs typeface="Courier New" panose="02070309020205020404" pitchFamily="49" charset="0"/>
+              </a:rPr>
+              <a:t>), </a:t>
+            </a:r>
+            <a:r>
+              <a:rPr lang="en-US" sz="2400" i="1" dirty="0">
+                <a:solidFill>
+                  <a:srgbClr val="222222"/>
+                </a:solidFill>
+                <a:latin typeface="Courier New" panose="02070309020205020404" pitchFamily="49" charset="0"/>
+                <a:cs typeface="Courier New" panose="02070309020205020404" pitchFamily="49" charset="0"/>
+              </a:rPr>
+              <a:t>T</a:t>
+            </a:r>
+            <a:r>
+              <a:rPr lang="en-US" sz="2400" dirty="0">
+                <a:solidFill>
+                  <a:srgbClr val="222222"/>
+                </a:solidFill>
+                <a:latin typeface="Courier New" panose="02070309020205020404" pitchFamily="49" charset="0"/>
+                <a:cs typeface="Courier New" panose="02070309020205020404" pitchFamily="49" charset="0"/>
+              </a:rPr>
+              <a:t>) ≥ random(0, 1):</a:t>
+            </a:r>
+          </a:p>
+          <a:p>
+            <a:pPr marL="1143000" lvl="2" indent="-228600">
+              <a:buFont typeface="Arial" panose="020B0604020202020204" pitchFamily="34" charset="0"/>
+              <a:buChar char="•"/>
+            </a:pPr>
+            <a:r>
+              <a:rPr lang="en-US" sz="2400" i="1" dirty="0">
+                <a:solidFill>
+                  <a:srgbClr val="222222"/>
+                </a:solidFill>
+                <a:latin typeface="Courier New" panose="02070309020205020404" pitchFamily="49" charset="0"/>
+                <a:cs typeface="Courier New" panose="02070309020205020404" pitchFamily="49" charset="0"/>
+              </a:rPr>
+              <a:t>s</a:t>
+            </a:r>
+            <a:r>
+              <a:rPr lang="en-US" sz="2400" dirty="0">
+                <a:solidFill>
+                  <a:srgbClr val="222222"/>
+                </a:solidFill>
+                <a:latin typeface="Courier New" panose="02070309020205020404" pitchFamily="49" charset="0"/>
+                <a:cs typeface="Courier New" panose="02070309020205020404" pitchFamily="49" charset="0"/>
+              </a:rPr>
+              <a:t> ← </a:t>
+            </a:r>
+            <a:r>
+              <a:rPr lang="en-US" sz="2400" i="1" dirty="0" err="1">
+                <a:solidFill>
+                  <a:srgbClr val="222222"/>
+                </a:solidFill>
+                <a:latin typeface="Courier New" panose="02070309020205020404" pitchFamily="49" charset="0"/>
+                <a:cs typeface="Courier New" panose="02070309020205020404" pitchFamily="49" charset="0"/>
+              </a:rPr>
+              <a:t>s</a:t>
+            </a:r>
+            <a:r>
+              <a:rPr lang="en-US" sz="2400" baseline="-25000" dirty="0" err="1">
+                <a:solidFill>
+                  <a:srgbClr val="222222"/>
+                </a:solidFill>
+                <a:latin typeface="Courier New" panose="02070309020205020404" pitchFamily="49" charset="0"/>
+                <a:cs typeface="Courier New" panose="02070309020205020404" pitchFamily="49" charset="0"/>
+              </a:rPr>
+              <a:t>new</a:t>
+            </a:r>
+            <a:endParaRPr lang="en-US" sz="2400" dirty="0">
+              <a:solidFill>
+                <a:srgbClr val="222222"/>
+              </a:solidFill>
+              <a:latin typeface="Courier New" panose="02070309020205020404" pitchFamily="49" charset="0"/>
+              <a:cs typeface="Courier New" panose="02070309020205020404" pitchFamily="49" charset="0"/>
+            </a:endParaRPr>
+          </a:p>
+          <a:p>
+            <a:pPr>
+              <a:buFont typeface="Arial" panose="020B0604020202020204" pitchFamily="34" charset="0"/>
+              <a:buChar char="•"/>
+            </a:pPr>
+            <a:r>
+              <a:rPr lang="en-US" sz="2400" dirty="0">
+                <a:solidFill>
+                  <a:srgbClr val="222222"/>
+                </a:solidFill>
+                <a:latin typeface="Courier New" panose="02070309020205020404" pitchFamily="49" charset="0"/>
+                <a:cs typeface="Courier New" panose="02070309020205020404" pitchFamily="49" charset="0"/>
+              </a:rPr>
+              <a:t>Output: the final state </a:t>
+            </a:r>
+            <a:r>
+              <a:rPr lang="en-US" sz="2400" i="1" dirty="0">
+                <a:solidFill>
+                  <a:srgbClr val="222222"/>
+                </a:solidFill>
+                <a:latin typeface="Courier New" panose="02070309020205020404" pitchFamily="49" charset="0"/>
+                <a:cs typeface="Courier New" panose="02070309020205020404" pitchFamily="49" charset="0"/>
+              </a:rPr>
+              <a:t>s</a:t>
+            </a:r>
+            <a:endParaRPr lang="en-US" sz="2400" dirty="0">
+              <a:solidFill>
+                <a:srgbClr val="222222"/>
+              </a:solidFill>
+              <a:latin typeface="Courier New" panose="02070309020205020404" pitchFamily="49" charset="0"/>
+              <a:cs typeface="Courier New" panose="02070309020205020404" pitchFamily="49" charset="0"/>
+            </a:endParaRPr>
+          </a:p>
+        </p:txBody>
+      </p:sp>
+      <p:sp>
+        <p:nvSpPr>
+          <p:cNvPr id="5" name="TextBox 4">
+            <a:extLst>
+              <a:ext uri="{FF2B5EF4-FFF2-40B4-BE49-F238E27FC236}">
+                <a16:creationId xmlns:a16="http://schemas.microsoft.com/office/drawing/2014/main" id="{AA304E3F-0B41-0947-9E86-FC444BD24492}"/>
+              </a:ext>
+            </a:extLst>
+          </p:cNvPr>
+          <p:cNvSpPr txBox="1"/>
+          <p:nvPr/>
+        </p:nvSpPr>
+        <p:spPr>
+          <a:xfrm>
+            <a:off x="4724400" y="2123005"/>
+            <a:ext cx="3438762" cy="461665"/>
+          </a:xfrm>
+          <a:prstGeom prst="rect">
+            <a:avLst/>
+          </a:prstGeom>
+          <a:solidFill>
+            <a:schemeClr val="bg1">
+              <a:lumMod val="85000"/>
+            </a:schemeClr>
+          </a:solidFill>
+        </p:spPr>
+        <p:txBody>
+          <a:bodyPr wrap="none" rtlCol="0">
+            <a:spAutoFit/>
+          </a:bodyPr>
+          <a:lstStyle/>
+          <a:p>
+            <a:r>
+              <a:rPr lang="en-US" sz="2400" dirty="0"/>
+              <a:t>Addresses local minima</a:t>
+            </a:r>
+          </a:p>
+        </p:txBody>
+      </p:sp>
+      <p:pic>
+        <p:nvPicPr>
+          <p:cNvPr id="7" name="Picture 6">
+            <a:extLst>
+              <a:ext uri="{FF2B5EF4-FFF2-40B4-BE49-F238E27FC236}">
+                <a16:creationId xmlns:a16="http://schemas.microsoft.com/office/drawing/2014/main" id="{4E0D8338-4209-0245-999E-8A9486A6006A}"/>
+              </a:ext>
+            </a:extLst>
+          </p:cNvPr>
+          <p:cNvPicPr>
+            <a:picLocks noChangeAspect="1"/>
+          </p:cNvPicPr>
+          <p:nvPr/>
+        </p:nvPicPr>
+        <p:blipFill>
+          <a:blip r:embed="rId3"/>
+          <a:stretch>
+            <a:fillRect/>
+          </a:stretch>
+        </p:blipFill>
+        <p:spPr>
+          <a:xfrm>
+            <a:off x="7239000" y="340886"/>
+            <a:ext cx="1580119" cy="1016853"/>
+          </a:xfrm>
+          <a:prstGeom prst="rect">
+            <a:avLst/>
+          </a:prstGeom>
+        </p:spPr>
+      </p:pic>
     </p:spTree>
     <p:extLst>
       <p:ext uri="{BB962C8B-B14F-4D97-AF65-F5344CB8AC3E}">
         <p14:creationId xmlns:p14="http://schemas.microsoft.com/office/powerpoint/2010/main" val="2898214846"/>
+      </p:ext>
+    </p:extLst>
+  </p:cSld>
+  <p:clrMapOvr>
+    <a:masterClrMapping/>
+  </p:clrMapOvr>
+  <p:timing>
+    <p:tnLst>
+      <p:par>
+        <p:cTn id="1" dur="indefinite" restart="never" nodeType="tmRoot">
+          <p:childTnLst>
+            <p:seq concurrent="1" nextAc="seek">
+              <p:cTn id="2" dur="indefinite" nodeType="mainSeq">
+                <p:childTnLst>
+                  <p:par>
+                    <p:cTn id="3" fill="hold">
+                      <p:stCondLst>
+                        <p:cond delay="indefinite"/>
+                      </p:stCondLst>
+                      <p:childTnLst>
+                        <p:par>
+                          <p:cTn id="4" fill="hold">
+                            <p:stCondLst>
+                              <p:cond delay="0"/>
+                            </p:stCondLst>
+                            <p:childTnLst>
+                              <p:par>
+                                <p:cTn id="5" presetID="1" presetClass="entr" presetSubtype="0" fill="hold" grpId="0" nodeType="clickEffect">
+                                  <p:stCondLst>
+                                    <p:cond delay="0"/>
+                                  </p:stCondLst>
+                                  <p:childTnLst>
+                                    <p:set>
+                                      <p:cBhvr>
+                                        <p:cTn id="6" dur="1" fill="hold">
+                                          <p:stCondLst>
+                                            <p:cond delay="0"/>
+                                          </p:stCondLst>
+                                        </p:cTn>
+                                        <p:tgtEl>
+                                          <p:spTgt spid="5"/>
+                                        </p:tgtEl>
+                                        <p:attrNameLst>
+                                          <p:attrName>style.visibility</p:attrName>
+                                        </p:attrNameLst>
+                                      </p:cBhvr>
+                                      <p:to>
+                                        <p:strVal val="visible"/>
+                                      </p:to>
+                                    </p:set>
+                                  </p:childTnLst>
+                                </p:cTn>
+                              </p:par>
+                            </p:childTnLst>
+                          </p:cTn>
+                        </p:par>
+                      </p:childTnLst>
+                    </p:cTn>
+                  </p:par>
+                  <p:par>
+                    <p:cTn id="7" fill="hold">
+                      <p:stCondLst>
+                        <p:cond delay="indefinite"/>
+                      </p:stCondLst>
+                      <p:childTnLst>
+                        <p:par>
+                          <p:cTn id="8" fill="hold">
+                            <p:stCondLst>
+                              <p:cond delay="0"/>
+                            </p:stCondLst>
+                            <p:childTnLst>
+                              <p:par>
+                                <p:cTn id="9" presetID="1" presetClass="entr" presetSubtype="0" fill="hold" grpId="0" nodeType="clickEffect">
+                                  <p:stCondLst>
+                                    <p:cond delay="0"/>
+                                  </p:stCondLst>
+                                  <p:childTnLst>
+                                    <p:set>
+                                      <p:cBhvr>
+                                        <p:cTn id="10" dur="1" fill="hold">
+                                          <p:stCondLst>
+                                            <p:cond delay="0"/>
+                                          </p:stCondLst>
+                                        </p:cTn>
+                                        <p:tgtEl>
+                                          <p:spTgt spid="3"/>
+                                        </p:tgtEl>
+                                        <p:attrNameLst>
+                                          <p:attrName>style.visibility</p:attrName>
+                                        </p:attrNameLst>
+                                      </p:cBhvr>
+                                      <p:to>
+                                        <p:strVal val="visible"/>
+                                      </p:to>
+                                    </p:set>
+                                  </p:childTnLst>
+                                </p:cTn>
+                              </p:par>
+                            </p:childTnLst>
+                          </p:cTn>
+                        </p:par>
+                      </p:childTnLst>
+                    </p:cTn>
+                  </p:par>
+                </p:childTnLst>
+              </p:cTn>
+              <p:prevCondLst>
+                <p:cond evt="onPrev" delay="0">
+                  <p:tgtEl>
+                    <p:sldTgt/>
+                  </p:tgtEl>
+                </p:cond>
+              </p:prevCondLst>
+              <p:nextCondLst>
+                <p:cond evt="onNext" delay="0">
+                  <p:tgtEl>
+                    <p:sldTgt/>
+                  </p:tgtEl>
+                </p:cond>
+              </p:nextCondLst>
+            </p:seq>
+          </p:childTnLst>
+        </p:cTn>
+      </p:par>
+    </p:tnLst>
+    <p:bldLst>
+      <p:bldP spid="3" grpId="0"/>
+      <p:bldP spid="5" grpId="0" animBg="1"/>
+    </p:bldLst>
+  </p:timing>
+</p:sld>
+</file>
+
+<file path=ppt/slides/slide16.xml><?xml version="1.0" encoding="utf-8"?>
+<p:sld xmlns:a="http://schemas.openxmlformats.org/drawingml/2006/main" xmlns:r="http://schemas.openxmlformats.org/officeDocument/2006/relationships" xmlns:p="http://schemas.openxmlformats.org/presentationml/2006/main">
+  <p:cSld>
+    <p:spTree>
+      <p:nvGrpSpPr>
+        <p:cNvPr id="1" name=""/>
+        <p:cNvGrpSpPr/>
+        <p:nvPr/>
+      </p:nvGrpSpPr>
+      <p:grpSpPr>
+        <a:xfrm>
+          <a:off x="0" y="0"/>
+          <a:ext cx="0" cy="0"/>
+          <a:chOff x="0" y="0"/>
+          <a:chExt cx="0" cy="0"/>
+        </a:xfrm>
+      </p:grpSpPr>
+      <p:sp>
+        <p:nvSpPr>
+          <p:cNvPr id="2" name="Title 1">
+            <a:extLst>
+              <a:ext uri="{FF2B5EF4-FFF2-40B4-BE49-F238E27FC236}">
+                <a16:creationId xmlns:a16="http://schemas.microsoft.com/office/drawing/2014/main" id="{233EFA94-A204-3D41-8D80-7E758744EDEB}"/>
+              </a:ext>
+            </a:extLst>
+          </p:cNvPr>
+          <p:cNvSpPr>
+            <a:spLocks noGrp="1"/>
+          </p:cNvSpPr>
+          <p:nvPr>
+            <p:ph type="title"/>
+          </p:nvPr>
+        </p:nvSpPr>
+        <p:spPr/>
+        <p:txBody>
+          <a:bodyPr/>
+          <a:lstStyle/>
+          <a:p>
+            <a:r>
+              <a:rPr lang="en-US" dirty="0"/>
+              <a:t>Differential Evolution</a:t>
+            </a:r>
+          </a:p>
+        </p:txBody>
+      </p:sp>
+      <p:sp>
+        <p:nvSpPr>
+          <p:cNvPr id="3" name="Content Placeholder 2">
+            <a:extLst>
+              <a:ext uri="{FF2B5EF4-FFF2-40B4-BE49-F238E27FC236}">
+                <a16:creationId xmlns:a16="http://schemas.microsoft.com/office/drawing/2014/main" id="{6248CD32-4D16-6146-976A-896EA5991D9A}"/>
+              </a:ext>
+            </a:extLst>
+          </p:cNvPr>
+          <p:cNvSpPr>
+            <a:spLocks noGrp="1"/>
+          </p:cNvSpPr>
+          <p:nvPr>
+            <p:ph idx="1"/>
+          </p:nvPr>
+        </p:nvSpPr>
+        <p:spPr>
+          <a:xfrm>
+            <a:off x="457200" y="1219200"/>
+            <a:ext cx="8229600" cy="4724400"/>
+          </a:xfrm>
+        </p:spPr>
+        <p:txBody>
+          <a:bodyPr/>
+          <a:lstStyle/>
+          <a:p>
+            <a:r>
+              <a:rPr lang="en-US" dirty="0"/>
+              <a:t>Basics</a:t>
+            </a:r>
+          </a:p>
+          <a:p>
+            <a:pPr lvl="1"/>
+            <a:r>
+              <a:rPr lang="en-US" dirty="0"/>
+              <a:t>Solutions are vectors</a:t>
+            </a:r>
+          </a:p>
+          <a:p>
+            <a:pPr lvl="1"/>
+            <a:r>
+              <a:rPr lang="en-US" dirty="0"/>
+              <a:t>Population of agents (candidate solutions</a:t>
+            </a:r>
+          </a:p>
+          <a:p>
+            <a:pPr lvl="1"/>
+            <a:r>
+              <a:rPr lang="en-US" dirty="0"/>
+              <a:t>Create new agents by combining existing agents (combinations of vector elements)</a:t>
+            </a:r>
+          </a:p>
+          <a:p>
+            <a:pPr lvl="1"/>
+            <a:r>
+              <a:rPr lang="en-US" dirty="0"/>
+              <a:t>Keep agents that improve the objective function</a:t>
+            </a:r>
+          </a:p>
+          <a:p>
+            <a:r>
+              <a:rPr lang="en-US" dirty="0"/>
+              <a:t>Does not consider gradients</a:t>
+            </a:r>
+          </a:p>
+        </p:txBody>
+      </p:sp>
+      <p:sp>
+        <p:nvSpPr>
+          <p:cNvPr id="4" name="Slide Number Placeholder 3">
+            <a:extLst>
+              <a:ext uri="{FF2B5EF4-FFF2-40B4-BE49-F238E27FC236}">
+                <a16:creationId xmlns:a16="http://schemas.microsoft.com/office/drawing/2014/main" id="{D0CDB579-829F-DB48-B2DA-3884C22ED513}"/>
+              </a:ext>
+            </a:extLst>
+          </p:cNvPr>
+          <p:cNvSpPr>
+            <a:spLocks noGrp="1"/>
+          </p:cNvSpPr>
+          <p:nvPr>
+            <p:ph type="sldNum" sz="quarter" idx="11"/>
+          </p:nvPr>
+        </p:nvSpPr>
+        <p:spPr/>
+        <p:txBody>
+          <a:bodyPr/>
+          <a:lstStyle/>
+          <a:p>
+            <a:pPr>
+              <a:defRPr/>
+            </a:pPr>
+            <a:fld id="{3EF4E9CC-9D91-476E-91FD-5BEEC1642931}" type="slidenum">
+              <a:rPr lang="en-US" altLang="x-none" smtClean="0"/>
+              <a:pPr>
+                <a:defRPr/>
+              </a:pPr>
+              <a:t>16</a:t>
+            </a:fld>
+            <a:endParaRPr lang="en-US" altLang="x-none"/>
+          </a:p>
+        </p:txBody>
+      </p:sp>
+      <p:pic>
+        <p:nvPicPr>
+          <p:cNvPr id="26" name="Picture 25">
+            <a:extLst>
+              <a:ext uri="{FF2B5EF4-FFF2-40B4-BE49-F238E27FC236}">
+                <a16:creationId xmlns:a16="http://schemas.microsoft.com/office/drawing/2014/main" id="{C040C7E7-3552-7744-9B42-B4F6ADD83CA3}"/>
+              </a:ext>
+            </a:extLst>
+          </p:cNvPr>
+          <p:cNvPicPr>
+            <a:picLocks noChangeAspect="1"/>
+          </p:cNvPicPr>
+          <p:nvPr/>
+        </p:nvPicPr>
+        <p:blipFill>
+          <a:blip r:embed="rId2"/>
+          <a:stretch>
+            <a:fillRect/>
+          </a:stretch>
+        </p:blipFill>
+        <p:spPr>
+          <a:xfrm>
+            <a:off x="7239000" y="340886"/>
+            <a:ext cx="1580119" cy="1016853"/>
+          </a:xfrm>
+          <a:prstGeom prst="rect">
+            <a:avLst/>
+          </a:prstGeom>
+        </p:spPr>
+      </p:pic>
+    </p:spTree>
+    <p:extLst>
+      <p:ext uri="{BB962C8B-B14F-4D97-AF65-F5344CB8AC3E}">
+        <p14:creationId xmlns:p14="http://schemas.microsoft.com/office/powerpoint/2010/main" val="1567372685"/>
+      </p:ext>
+    </p:extLst>
+  </p:cSld>
+  <p:clrMapOvr>
+    <a:masterClrMapping/>
+  </p:clrMapOvr>
+</p:sld>
+</file>
+
+<file path=ppt/slides/slide17.xml><?xml version="1.0" encoding="utf-8"?>
+<p:sld xmlns:a="http://schemas.openxmlformats.org/drawingml/2006/main" xmlns:r="http://schemas.openxmlformats.org/officeDocument/2006/relationships" xmlns:p="http://schemas.openxmlformats.org/presentationml/2006/main">
+  <p:cSld>
+    <p:spTree>
+      <p:nvGrpSpPr>
+        <p:cNvPr id="1" name=""/>
+        <p:cNvGrpSpPr/>
+        <p:nvPr/>
+      </p:nvGrpSpPr>
+      <p:grpSpPr>
+        <a:xfrm>
+          <a:off x="0" y="0"/>
+          <a:ext cx="0" cy="0"/>
+          <a:chOff x="0" y="0"/>
+          <a:chExt cx="0" cy="0"/>
+        </a:xfrm>
+      </p:grpSpPr>
+      <p:sp>
+        <p:nvSpPr>
+          <p:cNvPr id="5" name="Title 4">
+            <a:extLst>
+              <a:ext uri="{FF2B5EF4-FFF2-40B4-BE49-F238E27FC236}">
+                <a16:creationId xmlns:a16="http://schemas.microsoft.com/office/drawing/2014/main" id="{7C18DCA9-9494-B043-8F2E-77F23888531F}"/>
+              </a:ext>
+            </a:extLst>
+          </p:cNvPr>
+          <p:cNvSpPr>
+            <a:spLocks noGrp="1"/>
+          </p:cNvSpPr>
+          <p:nvPr>
+            <p:ph type="title"/>
+          </p:nvPr>
+        </p:nvSpPr>
+        <p:spPr/>
+        <p:txBody>
+          <a:bodyPr/>
+          <a:lstStyle/>
+          <a:p>
+            <a:r>
+              <a:rPr lang="en-US" dirty="0"/>
+              <a:t>Illustration of Differential Evolution</a:t>
+            </a:r>
+          </a:p>
+        </p:txBody>
+      </p:sp>
+      <p:sp>
+        <p:nvSpPr>
+          <p:cNvPr id="4" name="Slide Number Placeholder 3">
+            <a:extLst>
+              <a:ext uri="{FF2B5EF4-FFF2-40B4-BE49-F238E27FC236}">
+                <a16:creationId xmlns:a16="http://schemas.microsoft.com/office/drawing/2014/main" id="{5F3EBAD8-0D18-1443-B30E-4F64BE062B47}"/>
+              </a:ext>
+            </a:extLst>
+          </p:cNvPr>
+          <p:cNvSpPr>
+            <a:spLocks noGrp="1"/>
+          </p:cNvSpPr>
+          <p:nvPr>
+            <p:ph type="sldNum" sz="quarter" idx="11"/>
+          </p:nvPr>
+        </p:nvSpPr>
+        <p:spPr/>
+        <p:txBody>
+          <a:bodyPr/>
+          <a:lstStyle/>
+          <a:p>
+            <a:pPr>
+              <a:defRPr/>
+            </a:pPr>
+            <a:fld id="{3EF4E9CC-9D91-476E-91FD-5BEEC1642931}" type="slidenum">
+              <a:rPr lang="en-US" altLang="x-none" smtClean="0"/>
+              <a:pPr>
+                <a:defRPr/>
+              </a:pPr>
+              <a:t>17</a:t>
+            </a:fld>
+            <a:endParaRPr lang="en-US" altLang="x-none"/>
+          </a:p>
+        </p:txBody>
+      </p:sp>
+      <p:pic>
+        <p:nvPicPr>
+          <p:cNvPr id="7" name="Picture 6">
+            <a:extLst>
+              <a:ext uri="{FF2B5EF4-FFF2-40B4-BE49-F238E27FC236}">
+                <a16:creationId xmlns:a16="http://schemas.microsoft.com/office/drawing/2014/main" id="{E2CDBCDF-795A-904C-A7F2-9CB531530046}"/>
+              </a:ext>
+            </a:extLst>
+          </p:cNvPr>
+          <p:cNvPicPr>
+            <a:picLocks noChangeAspect="1"/>
+          </p:cNvPicPr>
+          <p:nvPr/>
+        </p:nvPicPr>
+        <p:blipFill>
+          <a:blip r:embed="rId2"/>
+          <a:stretch>
+            <a:fillRect/>
+          </a:stretch>
+        </p:blipFill>
+        <p:spPr>
+          <a:xfrm>
+            <a:off x="2516389" y="4036748"/>
+            <a:ext cx="3810000" cy="2439038"/>
+          </a:xfrm>
+          <a:prstGeom prst="rect">
+            <a:avLst/>
+          </a:prstGeom>
+        </p:spPr>
+      </p:pic>
+      <p:pic>
+        <p:nvPicPr>
+          <p:cNvPr id="9" name="Picture 8">
+            <a:extLst>
+              <a:ext uri="{FF2B5EF4-FFF2-40B4-BE49-F238E27FC236}">
+                <a16:creationId xmlns:a16="http://schemas.microsoft.com/office/drawing/2014/main" id="{E2171A73-4D82-2149-9BD3-23ACBB2AD592}"/>
+              </a:ext>
+            </a:extLst>
+          </p:cNvPr>
+          <p:cNvPicPr>
+            <a:picLocks noChangeAspect="1"/>
+          </p:cNvPicPr>
+          <p:nvPr/>
+        </p:nvPicPr>
+        <p:blipFill>
+          <a:blip r:embed="rId3"/>
+          <a:stretch>
+            <a:fillRect/>
+          </a:stretch>
+        </p:blipFill>
+        <p:spPr>
+          <a:xfrm>
+            <a:off x="609600" y="1066800"/>
+            <a:ext cx="3813579" cy="2441329"/>
+          </a:xfrm>
+          <a:prstGeom prst="rect">
+            <a:avLst/>
+          </a:prstGeom>
+        </p:spPr>
+      </p:pic>
+      <p:pic>
+        <p:nvPicPr>
+          <p:cNvPr id="11" name="Picture 10">
+            <a:extLst>
+              <a:ext uri="{FF2B5EF4-FFF2-40B4-BE49-F238E27FC236}">
+                <a16:creationId xmlns:a16="http://schemas.microsoft.com/office/drawing/2014/main" id="{2DE42A94-D24E-0545-B38C-8B178119DEF3}"/>
+              </a:ext>
+            </a:extLst>
+          </p:cNvPr>
+          <p:cNvPicPr>
+            <a:picLocks noChangeAspect="1"/>
+          </p:cNvPicPr>
+          <p:nvPr/>
+        </p:nvPicPr>
+        <p:blipFill>
+          <a:blip r:embed="rId4"/>
+          <a:stretch>
+            <a:fillRect/>
+          </a:stretch>
+        </p:blipFill>
+        <p:spPr>
+          <a:xfrm>
+            <a:off x="4903694" y="1163121"/>
+            <a:ext cx="3810000" cy="2481670"/>
+          </a:xfrm>
+          <a:prstGeom prst="rect">
+            <a:avLst/>
+          </a:prstGeom>
+        </p:spPr>
+      </p:pic>
+    </p:spTree>
+    <p:extLst>
+      <p:ext uri="{BB962C8B-B14F-4D97-AF65-F5344CB8AC3E}">
+        <p14:creationId xmlns:p14="http://schemas.microsoft.com/office/powerpoint/2010/main" val="2530283189"/>
+      </p:ext>
+    </p:extLst>
+  </p:cSld>
+  <p:clrMapOvr>
+    <a:masterClrMapping/>
+  </p:clrMapOvr>
+  <p:timing>
+    <p:tnLst>
+      <p:par>
+        <p:cTn id="1" dur="indefinite" restart="never" nodeType="tmRoot">
+          <p:childTnLst>
+            <p:seq concurrent="1" nextAc="seek">
+              <p:cTn id="2" dur="indefinite" nodeType="mainSeq">
+                <p:childTnLst>
+                  <p:par>
+                    <p:cTn id="3" fill="hold">
+                      <p:stCondLst>
+                        <p:cond delay="indefinite"/>
+                      </p:stCondLst>
+                      <p:childTnLst>
+                        <p:par>
+                          <p:cTn id="4" fill="hold">
+                            <p:stCondLst>
+                              <p:cond delay="0"/>
+                            </p:stCondLst>
+                            <p:childTnLst>
+                              <p:par>
+                                <p:cTn id="5" presetID="1" presetClass="entr" presetSubtype="0" fill="hold" nodeType="clickEffect">
+                                  <p:stCondLst>
+                                    <p:cond delay="0"/>
+                                  </p:stCondLst>
+                                  <p:childTnLst>
+                                    <p:set>
+                                      <p:cBhvr>
+                                        <p:cTn id="6" dur="1" fill="hold">
+                                          <p:stCondLst>
+                                            <p:cond delay="0"/>
+                                          </p:stCondLst>
+                                        </p:cTn>
+                                        <p:tgtEl>
+                                          <p:spTgt spid="11"/>
+                                        </p:tgtEl>
+                                        <p:attrNameLst>
+                                          <p:attrName>style.visibility</p:attrName>
+                                        </p:attrNameLst>
+                                      </p:cBhvr>
+                                      <p:to>
+                                        <p:strVal val="visible"/>
+                                      </p:to>
+                                    </p:set>
+                                  </p:childTnLst>
+                                </p:cTn>
+                              </p:par>
+                            </p:childTnLst>
+                          </p:cTn>
+                        </p:par>
+                      </p:childTnLst>
+                    </p:cTn>
+                  </p:par>
+                  <p:par>
+                    <p:cTn id="7" fill="hold">
+                      <p:stCondLst>
+                        <p:cond delay="indefinite"/>
+                      </p:stCondLst>
+                      <p:childTnLst>
+                        <p:par>
+                          <p:cTn id="8" fill="hold">
+                            <p:stCondLst>
+                              <p:cond delay="0"/>
+                            </p:stCondLst>
+                            <p:childTnLst>
+                              <p:par>
+                                <p:cTn id="9" presetID="1" presetClass="entr" presetSubtype="0" fill="hold" nodeType="clickEffect">
+                                  <p:stCondLst>
+                                    <p:cond delay="0"/>
+                                  </p:stCondLst>
+                                  <p:childTnLst>
+                                    <p:set>
+                                      <p:cBhvr>
+                                        <p:cTn id="10" dur="1" fill="hold">
+                                          <p:stCondLst>
+                                            <p:cond delay="0"/>
+                                          </p:stCondLst>
+                                        </p:cTn>
+                                        <p:tgtEl>
+                                          <p:spTgt spid="7"/>
+                                        </p:tgtEl>
+                                        <p:attrNameLst>
+                                          <p:attrName>style.visibility</p:attrName>
+                                        </p:attrNameLst>
+                                      </p:cBhvr>
+                                      <p:to>
+                                        <p:strVal val="visible"/>
+                                      </p:to>
+                                    </p:set>
+                                  </p:childTnLst>
+                                </p:cTn>
+                              </p:par>
+                            </p:childTnLst>
+                          </p:cTn>
+                        </p:par>
+                      </p:childTnLst>
+                    </p:cTn>
+                  </p:par>
+                </p:childTnLst>
+              </p:cTn>
+              <p:prevCondLst>
+                <p:cond evt="onPrev" delay="0">
+                  <p:tgtEl>
+                    <p:sldTgt/>
+                  </p:tgtEl>
+                </p:cond>
+              </p:prevCondLst>
+              <p:nextCondLst>
+                <p:cond evt="onNext" delay="0">
+                  <p:tgtEl>
+                    <p:sldTgt/>
+                  </p:tgtEl>
+                </p:cond>
+              </p:nextCondLst>
+            </p:seq>
+          </p:childTnLst>
+        </p:cTn>
+      </p:par>
+    </p:tnLst>
+  </p:timing>
+</p:sld>
+</file>
+
+<file path=ppt/slides/slide18.xml><?xml version="1.0" encoding="utf-8"?>
+<p:sld xmlns:a="http://schemas.openxmlformats.org/drawingml/2006/main" xmlns:r="http://schemas.openxmlformats.org/officeDocument/2006/relationships" xmlns:p="http://schemas.openxmlformats.org/presentationml/2006/main">
+  <p:cSld>
+    <p:spTree>
+      <p:nvGrpSpPr>
+        <p:cNvPr id="1" name=""/>
+        <p:cNvGrpSpPr/>
+        <p:nvPr/>
+      </p:nvGrpSpPr>
+      <p:grpSpPr>
+        <a:xfrm>
+          <a:off x="0" y="0"/>
+          <a:ext cx="0" cy="0"/>
+          <a:chOff x="0" y="0"/>
+          <a:chExt cx="0" cy="0"/>
+        </a:xfrm>
+      </p:grpSpPr>
+      <p:sp>
+        <p:nvSpPr>
+          <p:cNvPr id="2" name="Title 1">
+            <a:extLst>
+              <a:ext uri="{FF2B5EF4-FFF2-40B4-BE49-F238E27FC236}">
+                <a16:creationId xmlns:a16="http://schemas.microsoft.com/office/drawing/2014/main" id="{803FD107-B2CE-E04E-AA92-B131782281C0}"/>
+              </a:ext>
+            </a:extLst>
+          </p:cNvPr>
+          <p:cNvSpPr>
+            <a:spLocks noGrp="1"/>
+          </p:cNvSpPr>
+          <p:nvPr>
+            <p:ph type="title"/>
+          </p:nvPr>
+        </p:nvSpPr>
+        <p:spPr/>
+        <p:txBody>
+          <a:bodyPr/>
+          <a:lstStyle/>
+          <a:p>
+            <a:r>
+              <a:rPr lang="en-US" dirty="0"/>
+              <a:t>Details of Differential Evolution</a:t>
+            </a:r>
+          </a:p>
+        </p:txBody>
+      </p:sp>
+      <p:sp>
+        <p:nvSpPr>
+          <p:cNvPr id="3" name="Slide Number Placeholder 2">
+            <a:extLst>
+              <a:ext uri="{FF2B5EF4-FFF2-40B4-BE49-F238E27FC236}">
+                <a16:creationId xmlns:a16="http://schemas.microsoft.com/office/drawing/2014/main" id="{D2E03031-F068-7F4E-B845-67951E4E8B54}"/>
+              </a:ext>
+            </a:extLst>
+          </p:cNvPr>
+          <p:cNvSpPr>
+            <a:spLocks noGrp="1"/>
+          </p:cNvSpPr>
+          <p:nvPr>
+            <p:ph type="sldNum" sz="quarter" idx="11"/>
+          </p:nvPr>
+        </p:nvSpPr>
+        <p:spPr/>
+        <p:txBody>
+          <a:bodyPr/>
+          <a:lstStyle/>
+          <a:p>
+            <a:pPr>
+              <a:defRPr/>
+            </a:pPr>
+            <a:fld id="{2E4304A7-0FB2-4094-BC1E-DB17183AD0C1}" type="slidenum">
+              <a:rPr lang="en-US" altLang="x-none" smtClean="0"/>
+              <a:pPr>
+                <a:defRPr/>
+              </a:pPr>
+              <a:t>18</a:t>
+            </a:fld>
+            <a:endParaRPr lang="en-US" altLang="x-none"/>
+          </a:p>
+        </p:txBody>
+      </p:sp>
+      <p:pic>
+        <p:nvPicPr>
+          <p:cNvPr id="5" name="Picture 4">
+            <a:extLst>
+              <a:ext uri="{FF2B5EF4-FFF2-40B4-BE49-F238E27FC236}">
+                <a16:creationId xmlns:a16="http://schemas.microsoft.com/office/drawing/2014/main" id="{115A88D9-6D44-0440-86DE-485EE686F7C8}"/>
+              </a:ext>
+            </a:extLst>
+          </p:cNvPr>
+          <p:cNvPicPr>
+            <a:picLocks noChangeAspect="1"/>
+          </p:cNvPicPr>
+          <p:nvPr/>
+        </p:nvPicPr>
+        <p:blipFill>
+          <a:blip r:embed="rId2"/>
+          <a:stretch>
+            <a:fillRect/>
+          </a:stretch>
+        </p:blipFill>
+        <p:spPr>
+          <a:xfrm>
+            <a:off x="609600" y="2057400"/>
+            <a:ext cx="8077200" cy="1954269"/>
+          </a:xfrm>
+          <a:prstGeom prst="rect">
+            <a:avLst/>
+          </a:prstGeom>
+        </p:spPr>
+      </p:pic>
+    </p:spTree>
+    <p:extLst>
+      <p:ext uri="{BB962C8B-B14F-4D97-AF65-F5344CB8AC3E}">
+        <p14:creationId xmlns:p14="http://schemas.microsoft.com/office/powerpoint/2010/main" val="2050136864"/>
+      </p:ext>
+    </p:extLst>
+  </p:cSld>
+  <p:clrMapOvr>
+    <a:masterClrMapping/>
+  </p:clrMapOvr>
+</p:sld>
+</file>
+
+<file path=ppt/slides/slide19.xml><?xml version="1.0" encoding="utf-8"?>
+<p:sld xmlns:a="http://schemas.openxmlformats.org/drawingml/2006/main" xmlns:r="http://schemas.openxmlformats.org/officeDocument/2006/relationships" xmlns:p="http://schemas.openxmlformats.org/presentationml/2006/main">
+  <p:cSld>
+    <p:spTree>
+      <p:nvGrpSpPr>
+        <p:cNvPr id="1" name=""/>
+        <p:cNvGrpSpPr/>
+        <p:nvPr/>
+      </p:nvGrpSpPr>
+      <p:grpSpPr>
+        <a:xfrm>
+          <a:off x="0" y="0"/>
+          <a:ext cx="0" cy="0"/>
+          <a:chOff x="0" y="0"/>
+          <a:chExt cx="0" cy="0"/>
+        </a:xfrm>
+      </p:grpSpPr>
+      <p:sp>
+        <p:nvSpPr>
+          <p:cNvPr id="2" name="Title 1">
+            <a:extLst>
+              <a:ext uri="{FF2B5EF4-FFF2-40B4-BE49-F238E27FC236}">
+                <a16:creationId xmlns:a16="http://schemas.microsoft.com/office/drawing/2014/main" id="{66EDE726-8A45-8545-B532-1DECE75EDD88}"/>
+              </a:ext>
+            </a:extLst>
+          </p:cNvPr>
+          <p:cNvSpPr>
+            <a:spLocks noGrp="1"/>
+          </p:cNvSpPr>
+          <p:nvPr>
+            <p:ph type="title"/>
+          </p:nvPr>
+        </p:nvSpPr>
+        <p:spPr>
+          <a:xfrm>
+            <a:off x="457200" y="2133600"/>
+            <a:ext cx="8229600" cy="838200"/>
+          </a:xfrm>
+        </p:spPr>
+        <p:txBody>
+          <a:bodyPr/>
+          <a:lstStyle/>
+          <a:p>
+            <a:r>
+              <a:rPr lang="en-US" sz="6000" dirty="0"/>
+              <a:t>Experimental</a:t>
+            </a:r>
+            <a:br>
+              <a:rPr lang="en-US" sz="6000" dirty="0"/>
+            </a:br>
+            <a:r>
+              <a:rPr lang="en-US" sz="6000" dirty="0"/>
+              <a:t>Design</a:t>
+            </a:r>
+          </a:p>
+        </p:txBody>
+      </p:sp>
+      <p:sp>
+        <p:nvSpPr>
+          <p:cNvPr id="4" name="Slide Number Placeholder 3">
+            <a:extLst>
+              <a:ext uri="{FF2B5EF4-FFF2-40B4-BE49-F238E27FC236}">
+                <a16:creationId xmlns:a16="http://schemas.microsoft.com/office/drawing/2014/main" id="{2DCCEC55-4F5B-864B-AAB2-8D6766BCEC48}"/>
+              </a:ext>
+            </a:extLst>
+          </p:cNvPr>
+          <p:cNvSpPr>
+            <a:spLocks noGrp="1"/>
+          </p:cNvSpPr>
+          <p:nvPr>
+            <p:ph type="sldNum" sz="quarter" idx="11"/>
+          </p:nvPr>
+        </p:nvSpPr>
+        <p:spPr/>
+        <p:txBody>
+          <a:bodyPr/>
+          <a:lstStyle/>
+          <a:p>
+            <a:pPr>
+              <a:defRPr/>
+            </a:pPr>
+            <a:fld id="{3EF4E9CC-9D91-476E-91FD-5BEEC1642931}" type="slidenum">
+              <a:rPr lang="en-US" altLang="x-none" smtClean="0"/>
+              <a:pPr>
+                <a:defRPr/>
+              </a:pPr>
+              <a:t>19</a:t>
+            </a:fld>
+            <a:endParaRPr lang="en-US" altLang="x-none"/>
+          </a:p>
+        </p:txBody>
+      </p:sp>
+    </p:spTree>
+    <p:extLst>
+      <p:ext uri="{BB962C8B-B14F-4D97-AF65-F5344CB8AC3E}">
+        <p14:creationId xmlns:p14="http://schemas.microsoft.com/office/powerpoint/2010/main" val="2533248994"/>
       </p:ext>
     </p:extLst>
   </p:cSld>
@@ -8985,7 +10442,7 @@
           <p:cNvPr id="2" name="Title 1">
             <a:extLst>
               <a:ext uri="{FF2B5EF4-FFF2-40B4-BE49-F238E27FC236}">
-                <a16:creationId xmlns:a16="http://schemas.microsoft.com/office/drawing/2014/main" id="{377ED314-7021-E649-A68C-5F30A6A299BA}"/>
+                <a16:creationId xmlns:a16="http://schemas.microsoft.com/office/drawing/2014/main" id="{8E501CDD-1AC0-D841-8608-0427D0F3C934}"/>
               </a:ext>
             </a:extLst>
           </p:cNvPr>
@@ -9003,7 +10460,7 @@
           <a:p>
             <a:r>
               <a:rPr lang="en-US" dirty="0"/>
-              <a:t>Notes</a:t>
+              <a:t>Downloads</a:t>
             </a:r>
           </a:p>
         </p:txBody>
@@ -9013,7 +10470,7 @@
           <p:cNvPr id="3" name="Content Placeholder 2">
             <a:extLst>
               <a:ext uri="{FF2B5EF4-FFF2-40B4-BE49-F238E27FC236}">
-                <a16:creationId xmlns:a16="http://schemas.microsoft.com/office/drawing/2014/main" id="{9EA197F4-808E-1D49-961B-4F1FE5DFD537}"/>
+                <a16:creationId xmlns:a16="http://schemas.microsoft.com/office/drawing/2014/main" id="{A130CE50-5F1A-AD42-9F7B-560319B3CCAF}"/>
               </a:ext>
             </a:extLst>
           </p:cNvPr>
@@ -9031,32 +10488,15 @@
           <a:p>
             <a:r>
               <a:rPr lang="en-US" dirty="0"/>
-              <a:t>Lab</a:t>
-            </a:r>
-          </a:p>
-          <a:p>
-            <a:pPr lvl="1"/>
+              <a:t>Lecture_8* at http://</a:t>
+            </a:r>
+            <a:r>
+              <a:rPr lang="en-US" dirty="0" err="1"/>
+              <a:t>shorturl.at</a:t>
+            </a:r>
             <a:r>
               <a:rPr lang="en-US" dirty="0"/>
-              <a:t>Network structures, objective function, optimization algorithm</a:t>
-            </a:r>
-          </a:p>
-          <a:p>
-            <a:pPr lvl="2"/>
-            <a:r>
-              <a:rPr lang="en-US" dirty="0"/>
-              <a:t>Probabilistically choose different species?</a:t>
-            </a:r>
-          </a:p>
-          <a:p>
-            <a:pPr lvl="2"/>
-            <a:r>
-              <a:rPr lang="en-US" dirty="0"/>
-              <a:t>LMFIT only accepts one vector </a:t>
-            </a:r>
-            <a:r>
-              <a:rPr lang="en-US"/>
-              <a:t>of residuals</a:t>
+              <a:t>/crOS2</a:t>
             </a:r>
           </a:p>
         </p:txBody>
@@ -9066,7 +10506,7 @@
           <p:cNvPr id="4" name="Slide Number Placeholder 3">
             <a:extLst>
               <a:ext uri="{FF2B5EF4-FFF2-40B4-BE49-F238E27FC236}">
-                <a16:creationId xmlns:a16="http://schemas.microsoft.com/office/drawing/2014/main" id="{C16491D8-835C-A34E-B758-848224467705}"/>
+                <a16:creationId xmlns:a16="http://schemas.microsoft.com/office/drawing/2014/main" id="{77B452FF-B381-E647-B00F-62D0CE459B8C}"/>
               </a:ext>
             </a:extLst>
           </p:cNvPr>
@@ -9099,7 +10539,1496 @@
     </p:spTree>
     <p:extLst>
       <p:ext uri="{BB962C8B-B14F-4D97-AF65-F5344CB8AC3E}">
-        <p14:creationId xmlns:p14="http://schemas.microsoft.com/office/powerpoint/2010/main" val="3498267789"/>
+        <p14:creationId xmlns:p14="http://schemas.microsoft.com/office/powerpoint/2010/main" val="4221074212"/>
+      </p:ext>
+    </p:extLst>
+  </p:cSld>
+  <p:clrMapOvr>
+    <a:masterClrMapping/>
+  </p:clrMapOvr>
+</p:sld>
+</file>
+
+<file path=ppt/slides/slide20.xml><?xml version="1.0" encoding="utf-8"?>
+<p:sld xmlns:a="http://schemas.openxmlformats.org/drawingml/2006/main" xmlns:r="http://schemas.openxmlformats.org/officeDocument/2006/relationships" xmlns:p="http://schemas.openxmlformats.org/presentationml/2006/main">
+  <p:cSld>
+    <p:spTree>
+      <p:nvGrpSpPr>
+        <p:cNvPr id="1" name=""/>
+        <p:cNvGrpSpPr/>
+        <p:nvPr/>
+      </p:nvGrpSpPr>
+      <p:grpSpPr>
+        <a:xfrm>
+          <a:off x="0" y="0"/>
+          <a:ext cx="0" cy="0"/>
+          <a:chOff x="0" y="0"/>
+          <a:chExt cx="0" cy="0"/>
+        </a:xfrm>
+      </p:grpSpPr>
+      <p:sp>
+        <p:nvSpPr>
+          <p:cNvPr id="2" name="Title 1">
+            <a:extLst>
+              <a:ext uri="{FF2B5EF4-FFF2-40B4-BE49-F238E27FC236}">
+                <a16:creationId xmlns:a16="http://schemas.microsoft.com/office/drawing/2014/main" id="{C585D512-E804-ED48-8D75-FEE5C6802CEF}"/>
+              </a:ext>
+            </a:extLst>
+          </p:cNvPr>
+          <p:cNvSpPr>
+            <a:spLocks noGrp="1"/>
+          </p:cNvSpPr>
+          <p:nvPr>
+            <p:ph type="title"/>
+          </p:nvPr>
+        </p:nvSpPr>
+        <p:spPr>
+          <a:xfrm>
+            <a:off x="152400" y="381000"/>
+            <a:ext cx="8839200" cy="838200"/>
+          </a:xfrm>
+        </p:spPr>
+        <p:txBody>
+          <a:bodyPr/>
+          <a:lstStyle/>
+          <a:p>
+            <a:r>
+              <a:rPr lang="en-US" sz="3200" dirty="0"/>
+              <a:t>Question: Which optimization method is best? </a:t>
+            </a:r>
+          </a:p>
+        </p:txBody>
+      </p:sp>
+      <mc:AlternateContent xmlns:mc="http://schemas.openxmlformats.org/markup-compatibility/2006">
+        <mc:Choice xmlns:a14="http://schemas.microsoft.com/office/drawing/2010/main" Requires="a14">
+          <p:sp>
+            <p:nvSpPr>
+              <p:cNvPr id="4" name="Content Placeholder 3">
+                <a:extLst>
+                  <a:ext uri="{FF2B5EF4-FFF2-40B4-BE49-F238E27FC236}">
+                    <a16:creationId xmlns:a16="http://schemas.microsoft.com/office/drawing/2014/main" id="{4C96028D-4314-1C4E-837C-B76DC57085CD}"/>
+                  </a:ext>
+                </a:extLst>
+              </p:cNvPr>
+              <p:cNvSpPr>
+                <a:spLocks noGrp="1"/>
+              </p:cNvSpPr>
+              <p:nvPr>
+                <p:ph idx="1"/>
+              </p:nvPr>
+            </p:nvSpPr>
+            <p:spPr>
+              <a:xfrm>
+                <a:off x="762000" y="914399"/>
+                <a:ext cx="8229600" cy="4572001"/>
+              </a:xfrm>
+            </p:spPr>
+            <p:txBody>
+              <a:bodyPr/>
+              <a:lstStyle/>
+              <a:p>
+                <a:r>
+                  <a:rPr lang="en-US" sz="2800" dirty="0"/>
+                  <a:t>Factors to change?</a:t>
+                </a:r>
+              </a:p>
+              <a:p>
+                <a:pPr lvl="1"/>
+                <a:r>
+                  <a:rPr lang="en-US" sz="2400" dirty="0"/>
+                  <a:t>Optimization method: </a:t>
+                </a:r>
+              </a:p>
+              <a:p>
+                <a:pPr lvl="2"/>
+                <a:r>
+                  <a:rPr lang="en-US" sz="2000" dirty="0" err="1">
+                    <a:latin typeface="Courier New" panose="02070309020205020404" pitchFamily="49" charset="0"/>
+                    <a:cs typeface="Courier New" panose="02070309020205020404" pitchFamily="49" charset="0"/>
+                  </a:rPr>
+                  <a:t>leastsq</a:t>
+                </a:r>
+                <a:r>
+                  <a:rPr lang="en-US" sz="2000" dirty="0">
+                    <a:latin typeface="Courier New" panose="02070309020205020404" pitchFamily="49" charset="0"/>
+                    <a:cs typeface="Courier New" panose="02070309020205020404" pitchFamily="49" charset="0"/>
+                  </a:rPr>
+                  <a:t>, </a:t>
+                </a:r>
+                <a:r>
+                  <a:rPr lang="en-US" sz="2000" dirty="0" err="1">
+                    <a:latin typeface="Courier New" panose="02070309020205020404" pitchFamily="49" charset="0"/>
+                    <a:cs typeface="Courier New" panose="02070309020205020404" pitchFamily="49" charset="0"/>
+                  </a:rPr>
+                  <a:t>dual_annealing</a:t>
+                </a:r>
+                <a:r>
+                  <a:rPr lang="en-US" sz="2000" dirty="0">
+                    <a:latin typeface="Courier New" panose="02070309020205020404" pitchFamily="49" charset="0"/>
+                    <a:cs typeface="Courier New" panose="02070309020205020404" pitchFamily="49" charset="0"/>
+                  </a:rPr>
+                  <a:t>, </a:t>
+                </a:r>
+                <a:r>
+                  <a:rPr lang="en-US" sz="2000" dirty="0" err="1">
+                    <a:latin typeface="Courier New" panose="02070309020205020404" pitchFamily="49" charset="0"/>
+                    <a:cs typeface="Courier New" panose="02070309020205020404" pitchFamily="49" charset="0"/>
+                  </a:rPr>
+                  <a:t>differential_evolution</a:t>
+                </a:r>
+                <a:endParaRPr lang="en-US" sz="2000" dirty="0">
+                  <a:latin typeface="Courier New" panose="02070309020205020404" pitchFamily="49" charset="0"/>
+                  <a:cs typeface="Courier New" panose="02070309020205020404" pitchFamily="49" charset="0"/>
+                </a:endParaRPr>
+              </a:p>
+              <a:p>
+                <a:pPr lvl="1"/>
+                <a:r>
+                  <a:rPr lang="en-US" sz="2400" dirty="0"/>
+                  <a:t>Network structures:</a:t>
+                </a:r>
+              </a:p>
+              <a:p>
+                <a:pPr marL="457200" lvl="1" indent="0">
+                  <a:buNone/>
+                </a:pPr>
+                <a14:m>
+                  <m:oMathPara xmlns:m="http://schemas.openxmlformats.org/officeDocument/2006/math">
+                    <m:oMathParaPr>
+                      <m:jc m:val="centerGroup"/>
+                    </m:oMathParaPr>
+                    <m:oMath xmlns:m="http://schemas.openxmlformats.org/officeDocument/2006/math">
+                      <m:r>
+                        <a:rPr lang="en-US" sz="2400" b="0" i="1" smtClean="0">
+                          <a:latin typeface="Cambria Math" panose="02040503050406030204" pitchFamily="18" charset="0"/>
+                        </a:rPr>
+                        <m:t>𝐴</m:t>
+                      </m:r>
+                      <m:r>
+                        <a:rPr lang="en-US" sz="2400" b="0" i="1" smtClean="0">
+                          <a:latin typeface="Cambria Math" panose="02040503050406030204" pitchFamily="18" charset="0"/>
+                        </a:rPr>
+                        <m:t>→</m:t>
+                      </m:r>
+                      <m:r>
+                        <a:rPr lang="en-US" sz="2400" b="0" i="1" smtClean="0">
+                          <a:latin typeface="Cambria Math" panose="02040503050406030204" pitchFamily="18" charset="0"/>
+                        </a:rPr>
+                        <m:t>𝐵</m:t>
+                      </m:r>
+                      <m:r>
+                        <a:rPr lang="en-US" sz="2400" b="0" i="1" smtClean="0">
+                          <a:latin typeface="Cambria Math" panose="02040503050406030204" pitchFamily="18" charset="0"/>
+                        </a:rPr>
+                        <m:t>;</m:t>
+                      </m:r>
+                      <m:sSub>
+                        <m:sSubPr>
+                          <m:ctrlPr>
+                            <a:rPr lang="en-US" sz="2400" b="0" i="1" smtClean="0">
+                              <a:latin typeface="Cambria Math" panose="02040503050406030204" pitchFamily="18" charset="0"/>
+                            </a:rPr>
+                          </m:ctrlPr>
+                        </m:sSubPr>
+                        <m:e>
+                          <m:r>
+                            <a:rPr lang="en-US" sz="2400" b="0" i="1" smtClean="0">
+                              <a:latin typeface="Cambria Math" panose="02040503050406030204" pitchFamily="18" charset="0"/>
+                            </a:rPr>
+                            <m:t>𝑘</m:t>
+                          </m:r>
+                        </m:e>
+                        <m:sub>
+                          <m:r>
+                            <a:rPr lang="en-US" sz="2400" b="0" i="1" smtClean="0">
+                              <a:latin typeface="Cambria Math" panose="02040503050406030204" pitchFamily="18" charset="0"/>
+                            </a:rPr>
+                            <m:t>1</m:t>
+                          </m:r>
+                        </m:sub>
+                      </m:sSub>
+                      <m:r>
+                        <a:rPr lang="en-US" sz="2400" b="0" i="1" smtClean="0">
+                          <a:latin typeface="Cambria Math" panose="02040503050406030204" pitchFamily="18" charset="0"/>
+                        </a:rPr>
+                        <m:t>𝐴</m:t>
+                      </m:r>
+                      <m:r>
+                        <a:rPr lang="en-US" sz="2400" b="0" i="1" smtClean="0">
+                          <a:latin typeface="Cambria Math" panose="02040503050406030204" pitchFamily="18" charset="0"/>
+                        </a:rPr>
+                        <m:t>,  </m:t>
+                      </m:r>
+                      <m:r>
+                        <a:rPr lang="en-US" sz="2400" b="0" i="1" smtClean="0">
+                          <a:latin typeface="Cambria Math" panose="02040503050406030204" pitchFamily="18" charset="0"/>
+                        </a:rPr>
+                        <m:t>𝐵</m:t>
+                      </m:r>
+                      <m:r>
+                        <a:rPr lang="en-US" sz="2400" b="0" i="1" smtClean="0">
+                          <a:latin typeface="Cambria Math" panose="02040503050406030204" pitchFamily="18" charset="0"/>
+                        </a:rPr>
+                        <m:t>→</m:t>
+                      </m:r>
+                      <m:r>
+                        <a:rPr lang="en-US" sz="2400" b="0" i="1" smtClean="0">
+                          <a:latin typeface="Cambria Math" panose="02040503050406030204" pitchFamily="18" charset="0"/>
+                        </a:rPr>
+                        <m:t>𝐶</m:t>
+                      </m:r>
+                      <m:r>
+                        <a:rPr lang="en-US" sz="2400" b="0" i="1" smtClean="0">
+                          <a:latin typeface="Cambria Math" panose="02040503050406030204" pitchFamily="18" charset="0"/>
+                        </a:rPr>
+                        <m:t>;</m:t>
+                      </m:r>
+                      <m:sSub>
+                        <m:sSubPr>
+                          <m:ctrlPr>
+                            <a:rPr lang="en-US" sz="2400" b="0" i="1" smtClean="0">
+                              <a:latin typeface="Cambria Math" panose="02040503050406030204" pitchFamily="18" charset="0"/>
+                            </a:rPr>
+                          </m:ctrlPr>
+                        </m:sSubPr>
+                        <m:e>
+                          <m:r>
+                            <a:rPr lang="en-US" sz="2400" b="0" i="1" smtClean="0">
+                              <a:latin typeface="Cambria Math" panose="02040503050406030204" pitchFamily="18" charset="0"/>
+                            </a:rPr>
+                            <m:t>𝑘</m:t>
+                          </m:r>
+                        </m:e>
+                        <m:sub>
+                          <m:r>
+                            <a:rPr lang="en-US" sz="2400" b="0" i="1" smtClean="0">
+                              <a:latin typeface="Cambria Math" panose="02040503050406030204" pitchFamily="18" charset="0"/>
+                            </a:rPr>
+                            <m:t>2</m:t>
+                          </m:r>
+                        </m:sub>
+                      </m:sSub>
+                      <m:r>
+                        <a:rPr lang="en-US" sz="2400" b="0" i="1" smtClean="0">
+                          <a:latin typeface="Cambria Math" panose="02040503050406030204" pitchFamily="18" charset="0"/>
+                        </a:rPr>
+                        <m:t>𝐵</m:t>
+                      </m:r>
+                    </m:oMath>
+                  </m:oMathPara>
+                </a14:m>
+                <a:endParaRPr lang="en-US" sz="2400" b="0" i="1" dirty="0">
+                  <a:latin typeface="Cambria Math" panose="02040503050406030204" pitchFamily="18" charset="0"/>
+                </a:endParaRPr>
+              </a:p>
+              <a:p>
+                <a:pPr marL="457200" lvl="1" indent="0">
+                  <a:buNone/>
+                </a:pPr>
+                <a14:m>
+                  <m:oMathPara xmlns:m="http://schemas.openxmlformats.org/officeDocument/2006/math">
+                    <m:oMathParaPr>
+                      <m:jc m:val="centerGroup"/>
+                    </m:oMathParaPr>
+                    <m:oMath xmlns:m="http://schemas.openxmlformats.org/officeDocument/2006/math">
+                      <m:r>
+                        <a:rPr lang="en-US" sz="2400" b="0" i="1" smtClean="0">
+                          <a:latin typeface="Cambria Math" panose="02040503050406030204" pitchFamily="18" charset="0"/>
+                        </a:rPr>
+                        <m:t> </m:t>
+                      </m:r>
+                      <m:r>
+                        <a:rPr lang="en-US" sz="2400" b="0" i="1" smtClean="0">
+                          <a:latin typeface="Cambria Math" panose="02040503050406030204" pitchFamily="18" charset="0"/>
+                        </a:rPr>
+                        <m:t>𝐴</m:t>
+                      </m:r>
+                      <m:r>
+                        <a:rPr lang="en-US" sz="2400" b="0" i="1" smtClean="0">
+                          <a:latin typeface="Cambria Math" panose="02040503050406030204" pitchFamily="18" charset="0"/>
+                        </a:rPr>
+                        <m:t>→</m:t>
+                      </m:r>
+                      <m:r>
+                        <a:rPr lang="en-US" sz="2400" b="0" i="1" smtClean="0">
+                          <a:latin typeface="Cambria Math" panose="02040503050406030204" pitchFamily="18" charset="0"/>
+                        </a:rPr>
+                        <m:t>𝐵</m:t>
+                      </m:r>
+                      <m:r>
+                        <a:rPr lang="en-US" sz="2400" b="0" i="1" smtClean="0">
+                          <a:latin typeface="Cambria Math" panose="02040503050406030204" pitchFamily="18" charset="0"/>
+                        </a:rPr>
+                        <m:t>+</m:t>
+                      </m:r>
+                      <m:r>
+                        <a:rPr lang="en-US" sz="2400" b="0" i="1" smtClean="0">
+                          <a:latin typeface="Cambria Math" panose="02040503050406030204" pitchFamily="18" charset="0"/>
+                        </a:rPr>
+                        <m:t>𝐶</m:t>
+                      </m:r>
+                      <m:r>
+                        <a:rPr lang="en-US" sz="2400" b="0" i="1" smtClean="0">
+                          <a:latin typeface="Cambria Math" panose="02040503050406030204" pitchFamily="18" charset="0"/>
+                        </a:rPr>
+                        <m:t>;</m:t>
+                      </m:r>
+                      <m:r>
+                        <a:rPr lang="en-US" sz="2400" b="0" i="1" smtClean="0">
+                          <a:latin typeface="Cambria Math" panose="02040503050406030204" pitchFamily="18" charset="0"/>
+                        </a:rPr>
+                        <m:t>𝑘𝐴</m:t>
+                      </m:r>
+                      <m:r>
+                        <a:rPr lang="en-US" sz="2400" b="0" i="1" smtClean="0">
+                          <a:latin typeface="Cambria Math" panose="02040503050406030204" pitchFamily="18" charset="0"/>
+                        </a:rPr>
+                        <m:t> </m:t>
+                      </m:r>
+                    </m:oMath>
+                  </m:oMathPara>
+                </a14:m>
+                <a:endParaRPr lang="en-US" sz="2400" b="0" i="1" dirty="0">
+                  <a:latin typeface="Cambria Math" panose="02040503050406030204" pitchFamily="18" charset="0"/>
+                </a:endParaRPr>
+              </a:p>
+              <a:p>
+                <a:pPr marL="457200" lvl="1" indent="0">
+                  <a:buNone/>
+                </a:pPr>
+                <a14:m>
+                  <m:oMathPara xmlns:m="http://schemas.openxmlformats.org/officeDocument/2006/math">
+                    <m:oMathParaPr>
+                      <m:jc m:val="centerGroup"/>
+                    </m:oMathParaPr>
+                    <m:oMath xmlns:m="http://schemas.openxmlformats.org/officeDocument/2006/math">
+                      <m:r>
+                        <a:rPr lang="en-US" sz="2400" b="0" i="1" smtClean="0">
+                          <a:latin typeface="Cambria Math" panose="02040503050406030204" pitchFamily="18" charset="0"/>
+                        </a:rPr>
+                        <m:t>𝐴</m:t>
+                      </m:r>
+                      <m:r>
+                        <a:rPr lang="en-US" sz="2400" b="0" i="1" smtClean="0">
+                          <a:latin typeface="Cambria Math" panose="02040503050406030204" pitchFamily="18" charset="0"/>
+                        </a:rPr>
+                        <m:t>→</m:t>
+                      </m:r>
+                      <m:r>
+                        <a:rPr lang="en-US" sz="2400" b="0" i="1" smtClean="0">
+                          <a:latin typeface="Cambria Math" panose="02040503050406030204" pitchFamily="18" charset="0"/>
+                        </a:rPr>
+                        <m:t>𝐵</m:t>
+                      </m:r>
+                      <m:r>
+                        <a:rPr lang="en-US" sz="2400" b="0" i="1" smtClean="0">
+                          <a:latin typeface="Cambria Math" panose="02040503050406030204" pitchFamily="18" charset="0"/>
+                        </a:rPr>
+                        <m:t>;</m:t>
+                      </m:r>
+                      <m:sSub>
+                        <m:sSubPr>
+                          <m:ctrlPr>
+                            <a:rPr lang="en-US" sz="2400" b="0" i="1" smtClean="0">
+                              <a:latin typeface="Cambria Math" panose="02040503050406030204" pitchFamily="18" charset="0"/>
+                            </a:rPr>
+                          </m:ctrlPr>
+                        </m:sSubPr>
+                        <m:e>
+                          <m:r>
+                            <a:rPr lang="en-US" sz="2400" b="0" i="1" smtClean="0">
+                              <a:latin typeface="Cambria Math" panose="02040503050406030204" pitchFamily="18" charset="0"/>
+                            </a:rPr>
+                            <m:t>𝑘</m:t>
+                          </m:r>
+                        </m:e>
+                        <m:sub>
+                          <m:r>
+                            <a:rPr lang="en-US" sz="2400" b="0" i="1" smtClean="0">
+                              <a:latin typeface="Cambria Math" panose="02040503050406030204" pitchFamily="18" charset="0"/>
+                            </a:rPr>
+                            <m:t>3</m:t>
+                          </m:r>
+                        </m:sub>
+                      </m:sSub>
+                      <m:r>
+                        <a:rPr lang="en-US" sz="2400" b="0" i="1" smtClean="0">
+                          <a:latin typeface="Cambria Math" panose="02040503050406030204" pitchFamily="18" charset="0"/>
+                        </a:rPr>
+                        <m:t>𝐴</m:t>
+                      </m:r>
+                      <m:r>
+                        <a:rPr lang="en-US" sz="2400" b="0" i="1" smtClean="0">
+                          <a:latin typeface="Cambria Math" panose="02040503050406030204" pitchFamily="18" charset="0"/>
+                        </a:rPr>
+                        <m:t>,  </m:t>
+                      </m:r>
+                      <m:r>
+                        <a:rPr lang="en-US" sz="2400" b="0" i="1" smtClean="0">
+                          <a:latin typeface="Cambria Math" panose="02040503050406030204" pitchFamily="18" charset="0"/>
+                        </a:rPr>
+                        <m:t>𝐴</m:t>
+                      </m:r>
+                      <m:r>
+                        <a:rPr lang="en-US" sz="2400" b="0" i="1" smtClean="0">
+                          <a:latin typeface="Cambria Math" panose="02040503050406030204" pitchFamily="18" charset="0"/>
+                        </a:rPr>
+                        <m:t>→</m:t>
+                      </m:r>
+                      <m:r>
+                        <a:rPr lang="en-US" sz="2400" b="0" i="1" smtClean="0">
+                          <a:latin typeface="Cambria Math" panose="02040503050406030204" pitchFamily="18" charset="0"/>
+                        </a:rPr>
+                        <m:t>𝐶</m:t>
+                      </m:r>
+                      <m:r>
+                        <a:rPr lang="en-US" sz="2400" b="0" i="1" smtClean="0">
+                          <a:latin typeface="Cambria Math" panose="02040503050406030204" pitchFamily="18" charset="0"/>
+                        </a:rPr>
+                        <m:t>;</m:t>
+                      </m:r>
+                      <m:sSub>
+                        <m:sSubPr>
+                          <m:ctrlPr>
+                            <a:rPr lang="en-US" sz="2400" b="0" i="1" smtClean="0">
+                              <a:latin typeface="Cambria Math" panose="02040503050406030204" pitchFamily="18" charset="0"/>
+                            </a:rPr>
+                          </m:ctrlPr>
+                        </m:sSubPr>
+                        <m:e>
+                          <m:r>
+                            <a:rPr lang="en-US" sz="2400" b="0" i="1" smtClean="0">
+                              <a:latin typeface="Cambria Math" panose="02040503050406030204" pitchFamily="18" charset="0"/>
+                            </a:rPr>
+                            <m:t>𝑘</m:t>
+                          </m:r>
+                        </m:e>
+                        <m:sub>
+                          <m:r>
+                            <a:rPr lang="en-US" sz="2400" b="0" i="1" smtClean="0">
+                              <a:latin typeface="Cambria Math" panose="02040503050406030204" pitchFamily="18" charset="0"/>
+                            </a:rPr>
+                            <m:t>4</m:t>
+                          </m:r>
+                        </m:sub>
+                      </m:sSub>
+                      <m:r>
+                        <a:rPr lang="en-US" sz="2400" b="0" i="1" smtClean="0">
+                          <a:latin typeface="Cambria Math" panose="02040503050406030204" pitchFamily="18" charset="0"/>
+                        </a:rPr>
+                        <m:t>𝐴</m:t>
+                      </m:r>
+                    </m:oMath>
+                  </m:oMathPara>
+                </a14:m>
+                <a:endParaRPr lang="en-US" sz="2400" dirty="0"/>
+              </a:p>
+              <a:p>
+                <a:pPr lvl="1"/>
+                <a:r>
+                  <a:rPr lang="en-US" sz="2400" dirty="0"/>
+                  <a:t>Kinetics: values of </a:t>
+                </a:r>
+                <a14:m>
+                  <m:oMath xmlns:m="http://schemas.openxmlformats.org/officeDocument/2006/math">
+                    <m:sSub>
+                      <m:sSubPr>
+                        <m:ctrlPr>
+                          <a:rPr lang="en-US" sz="2400" b="0" i="1" smtClean="0">
+                            <a:latin typeface="Cambria Math" panose="02040503050406030204" pitchFamily="18" charset="0"/>
+                          </a:rPr>
+                        </m:ctrlPr>
+                      </m:sSubPr>
+                      <m:e>
+                        <m:r>
+                          <a:rPr lang="en-US" sz="2400" b="0" i="1" smtClean="0">
+                            <a:latin typeface="Cambria Math" panose="02040503050406030204" pitchFamily="18" charset="0"/>
+                          </a:rPr>
+                          <m:t>𝑘</m:t>
+                        </m:r>
+                      </m:e>
+                      <m:sub>
+                        <m:r>
+                          <a:rPr lang="en-US" sz="2400" b="0" i="1" smtClean="0">
+                            <a:latin typeface="Cambria Math" panose="02040503050406030204" pitchFamily="18" charset="0"/>
+                          </a:rPr>
+                          <m:t>1</m:t>
+                        </m:r>
+                      </m:sub>
+                    </m:sSub>
+                    <m:r>
+                      <a:rPr lang="en-US" sz="2400" b="0" i="1" smtClean="0">
+                        <a:latin typeface="Cambria Math" panose="02040503050406030204" pitchFamily="18" charset="0"/>
+                      </a:rPr>
+                      <m:t>,</m:t>
+                    </m:r>
+                    <m:sSub>
+                      <m:sSubPr>
+                        <m:ctrlPr>
+                          <a:rPr lang="en-US" sz="2400" b="0" i="1" smtClean="0">
+                            <a:latin typeface="Cambria Math" panose="02040503050406030204" pitchFamily="18" charset="0"/>
+                          </a:rPr>
+                        </m:ctrlPr>
+                      </m:sSubPr>
+                      <m:e>
+                        <m:r>
+                          <a:rPr lang="en-US" sz="2400" b="0" i="1" smtClean="0">
+                            <a:latin typeface="Cambria Math" panose="02040503050406030204" pitchFamily="18" charset="0"/>
+                          </a:rPr>
+                          <m:t>𝑘</m:t>
+                        </m:r>
+                      </m:e>
+                      <m:sub>
+                        <m:r>
+                          <a:rPr lang="en-US" sz="2400" b="0" i="1" smtClean="0">
+                            <a:latin typeface="Cambria Math" panose="02040503050406030204" pitchFamily="18" charset="0"/>
+                          </a:rPr>
+                          <m:t>2</m:t>
+                        </m:r>
+                      </m:sub>
+                    </m:sSub>
+                    <m:r>
+                      <a:rPr lang="en-US" sz="2400" b="0" i="1" smtClean="0">
+                        <a:latin typeface="Cambria Math" panose="02040503050406030204" pitchFamily="18" charset="0"/>
+                      </a:rPr>
+                      <m:t>,</m:t>
+                    </m:r>
+                    <m:r>
+                      <a:rPr lang="en-US" sz="2400" b="0" i="1" smtClean="0">
+                        <a:latin typeface="Cambria Math" panose="02040503050406030204" pitchFamily="18" charset="0"/>
+                      </a:rPr>
+                      <m:t>𝑘</m:t>
+                    </m:r>
+                    <m:r>
+                      <a:rPr lang="en-US" sz="2400" b="0" i="1" smtClean="0">
+                        <a:latin typeface="Cambria Math" panose="02040503050406030204" pitchFamily="18" charset="0"/>
+                      </a:rPr>
+                      <m:t>,</m:t>
+                    </m:r>
+                    <m:sSub>
+                      <m:sSubPr>
+                        <m:ctrlPr>
+                          <a:rPr lang="en-US" sz="2400" b="0" i="1" smtClean="0">
+                            <a:latin typeface="Cambria Math" panose="02040503050406030204" pitchFamily="18" charset="0"/>
+                          </a:rPr>
+                        </m:ctrlPr>
+                      </m:sSubPr>
+                      <m:e>
+                        <m:r>
+                          <a:rPr lang="en-US" sz="2400" b="0" i="1" smtClean="0">
+                            <a:latin typeface="Cambria Math" panose="02040503050406030204" pitchFamily="18" charset="0"/>
+                          </a:rPr>
+                          <m:t>𝑘</m:t>
+                        </m:r>
+                      </m:e>
+                      <m:sub>
+                        <m:r>
+                          <a:rPr lang="en-US" sz="2400" b="0" i="1" smtClean="0">
+                            <a:latin typeface="Cambria Math" panose="02040503050406030204" pitchFamily="18" charset="0"/>
+                          </a:rPr>
+                          <m:t>3</m:t>
+                        </m:r>
+                      </m:sub>
+                    </m:sSub>
+                    <m:r>
+                      <a:rPr lang="en-US" sz="2400" b="0" i="1" smtClean="0">
+                        <a:latin typeface="Cambria Math" panose="02040503050406030204" pitchFamily="18" charset="0"/>
+                      </a:rPr>
+                      <m:t>,</m:t>
+                    </m:r>
+                    <m:sSub>
+                      <m:sSubPr>
+                        <m:ctrlPr>
+                          <a:rPr lang="en-US" sz="2400" b="0" i="1" smtClean="0">
+                            <a:latin typeface="Cambria Math" panose="02040503050406030204" pitchFamily="18" charset="0"/>
+                          </a:rPr>
+                        </m:ctrlPr>
+                      </m:sSubPr>
+                      <m:e>
+                        <m:r>
+                          <a:rPr lang="en-US" sz="2400" b="0" i="1" smtClean="0">
+                            <a:latin typeface="Cambria Math" panose="02040503050406030204" pitchFamily="18" charset="0"/>
+                          </a:rPr>
+                          <m:t>𝑘</m:t>
+                        </m:r>
+                      </m:e>
+                      <m:sub>
+                        <m:r>
+                          <a:rPr lang="en-US" sz="2400" b="0" i="1" smtClean="0">
+                            <a:latin typeface="Cambria Math" panose="02040503050406030204" pitchFamily="18" charset="0"/>
+                          </a:rPr>
+                          <m:t>4</m:t>
+                        </m:r>
+                      </m:sub>
+                    </m:sSub>
+                  </m:oMath>
+                </a14:m>
+                <a:r>
+                  <a:rPr lang="en-US" sz="2400" dirty="0"/>
+                  <a:t> </a:t>
+                </a:r>
+              </a:p>
+              <a:p>
+                <a:r>
+                  <a:rPr lang="en-US" sz="2800" dirty="0">
+                    <a:cs typeface="Courier New" panose="02070309020205020404" pitchFamily="49" charset="0"/>
+                  </a:rPr>
+                  <a:t>Challenges</a:t>
+                </a:r>
+              </a:p>
+              <a:p>
+                <a:pPr lvl="1"/>
+                <a:r>
+                  <a:rPr lang="en-US" sz="2400" dirty="0">
+                    <a:cs typeface="Courier New" panose="02070309020205020404" pitchFamily="49" charset="0"/>
+                  </a:rPr>
+                  <a:t>Adapting codes for new experiments</a:t>
+                </a:r>
+              </a:p>
+              <a:p>
+                <a:pPr lvl="1"/>
+                <a:r>
+                  <a:rPr lang="en-US" sz="2400" dirty="0">
+                    <a:cs typeface="Courier New" panose="02070309020205020404" pitchFamily="49" charset="0"/>
+                  </a:rPr>
+                  <a:t>Lots of experiments to run! (need replications)</a:t>
+                </a:r>
+              </a:p>
+              <a:p>
+                <a:pPr lvl="1"/>
+                <a:r>
+                  <a:rPr lang="en-US" sz="2400" dirty="0">
+                    <a:cs typeface="Courier New" panose="02070309020205020404" pitchFamily="49" charset="0"/>
+                  </a:rPr>
+                  <a:t>Lots of experiments to keep track of.</a:t>
+                </a:r>
+              </a:p>
+            </p:txBody>
+          </p:sp>
+        </mc:Choice>
+        <mc:Fallback>
+          <p:sp>
+            <p:nvSpPr>
+              <p:cNvPr id="4" name="Content Placeholder 3">
+                <a:extLst>
+                  <a:ext uri="{FF2B5EF4-FFF2-40B4-BE49-F238E27FC236}">
+                    <a16:creationId xmlns:a16="http://schemas.microsoft.com/office/drawing/2014/main" id="{4C96028D-4314-1C4E-837C-B76DC57085CD}"/>
+                  </a:ext>
+                </a:extLst>
+              </p:cNvPr>
+              <p:cNvSpPr>
+                <a:spLocks noGrp="1" noRot="1" noChangeAspect="1" noMove="1" noResize="1" noEditPoints="1" noAdjustHandles="1" noChangeArrowheads="1" noChangeShapeType="1" noTextEdit="1"/>
+              </p:cNvSpPr>
+              <p:nvPr>
+                <p:ph idx="1"/>
+              </p:nvPr>
+            </p:nvSpPr>
+            <p:spPr>
+              <a:xfrm>
+                <a:off x="762000" y="914399"/>
+                <a:ext cx="8229600" cy="4572001"/>
+              </a:xfrm>
+              <a:blipFill>
+                <a:blip r:embed="rId2"/>
+                <a:stretch>
+                  <a:fillRect l="-1389" t="-1667" b="-21667"/>
+                </a:stretch>
+              </a:blipFill>
+            </p:spPr>
+            <p:txBody>
+              <a:bodyPr/>
+              <a:lstStyle/>
+              <a:p>
+                <a:r>
+                  <a:rPr lang="en-US">
+                    <a:noFill/>
+                  </a:rPr>
+                  <a:t> </a:t>
+                </a:r>
+              </a:p>
+            </p:txBody>
+          </p:sp>
+        </mc:Fallback>
+      </mc:AlternateContent>
+      <p:sp>
+        <p:nvSpPr>
+          <p:cNvPr id="3" name="Slide Number Placeholder 2">
+            <a:extLst>
+              <a:ext uri="{FF2B5EF4-FFF2-40B4-BE49-F238E27FC236}">
+                <a16:creationId xmlns:a16="http://schemas.microsoft.com/office/drawing/2014/main" id="{DDD3D89A-B1A3-3441-B85C-3551380B434C}"/>
+              </a:ext>
+            </a:extLst>
+          </p:cNvPr>
+          <p:cNvSpPr>
+            <a:spLocks noGrp="1"/>
+          </p:cNvSpPr>
+          <p:nvPr>
+            <p:ph type="sldNum" sz="quarter" idx="11"/>
+          </p:nvPr>
+        </p:nvSpPr>
+        <p:spPr/>
+        <p:txBody>
+          <a:bodyPr/>
+          <a:lstStyle/>
+          <a:p>
+            <a:pPr>
+              <a:defRPr/>
+            </a:pPr>
+            <a:fld id="{2E4304A7-0FB2-4094-BC1E-DB17183AD0C1}" type="slidenum">
+              <a:rPr lang="en-US" altLang="x-none" smtClean="0"/>
+              <a:pPr>
+                <a:defRPr/>
+              </a:pPr>
+              <a:t>20</a:t>
+            </a:fld>
+            <a:endParaRPr lang="en-US" altLang="x-none"/>
+          </a:p>
+        </p:txBody>
+      </p:sp>
+    </p:spTree>
+    <p:extLst>
+      <p:ext uri="{BB962C8B-B14F-4D97-AF65-F5344CB8AC3E}">
+        <p14:creationId xmlns:p14="http://schemas.microsoft.com/office/powerpoint/2010/main" val="3937969698"/>
+      </p:ext>
+    </p:extLst>
+  </p:cSld>
+  <p:clrMapOvr>
+    <a:masterClrMapping/>
+  </p:clrMapOvr>
+  <p:timing>
+    <p:tnLst>
+      <p:par>
+        <p:cTn id="1" dur="indefinite" restart="never" nodeType="tmRoot">
+          <p:childTnLst>
+            <p:seq concurrent="1" nextAc="seek">
+              <p:cTn id="2" dur="indefinite" nodeType="mainSeq">
+                <p:childTnLst>
+                  <p:par>
+                    <p:cTn id="3" fill="hold">
+                      <p:stCondLst>
+                        <p:cond delay="indefinite"/>
+                      </p:stCondLst>
+                      <p:childTnLst>
+                        <p:par>
+                          <p:cTn id="4" fill="hold">
+                            <p:stCondLst>
+                              <p:cond delay="0"/>
+                            </p:stCondLst>
+                            <p:childTnLst>
+                              <p:par>
+                                <p:cTn id="5" presetID="1" presetClass="entr" presetSubtype="0" fill="hold" nodeType="clickEffect">
+                                  <p:stCondLst>
+                                    <p:cond delay="0"/>
+                                  </p:stCondLst>
+                                  <p:childTnLst>
+                                    <p:set>
+                                      <p:cBhvr>
+                                        <p:cTn id="6" dur="1" fill="hold">
+                                          <p:stCondLst>
+                                            <p:cond delay="0"/>
+                                          </p:stCondLst>
+                                        </p:cTn>
+                                        <p:tgtEl>
+                                          <p:spTgt spid="4">
+                                            <p:txEl>
+                                              <p:pRg st="1" end="1"/>
+                                            </p:txEl>
+                                          </p:spTgt>
+                                        </p:tgtEl>
+                                        <p:attrNameLst>
+                                          <p:attrName>style.visibility</p:attrName>
+                                        </p:attrNameLst>
+                                      </p:cBhvr>
+                                      <p:to>
+                                        <p:strVal val="visible"/>
+                                      </p:to>
+                                    </p:set>
+                                  </p:childTnLst>
+                                </p:cTn>
+                              </p:par>
+                              <p:par>
+                                <p:cTn id="7" presetID="1" presetClass="entr" presetSubtype="0" fill="hold" nodeType="withEffect">
+                                  <p:stCondLst>
+                                    <p:cond delay="0"/>
+                                  </p:stCondLst>
+                                  <p:childTnLst>
+                                    <p:set>
+                                      <p:cBhvr>
+                                        <p:cTn id="8" dur="1" fill="hold">
+                                          <p:stCondLst>
+                                            <p:cond delay="0"/>
+                                          </p:stCondLst>
+                                        </p:cTn>
+                                        <p:tgtEl>
+                                          <p:spTgt spid="4">
+                                            <p:txEl>
+                                              <p:pRg st="2" end="2"/>
+                                            </p:txEl>
+                                          </p:spTgt>
+                                        </p:tgtEl>
+                                        <p:attrNameLst>
+                                          <p:attrName>style.visibility</p:attrName>
+                                        </p:attrNameLst>
+                                      </p:cBhvr>
+                                      <p:to>
+                                        <p:strVal val="visible"/>
+                                      </p:to>
+                                    </p:set>
+                                  </p:childTnLst>
+                                </p:cTn>
+                              </p:par>
+                            </p:childTnLst>
+                          </p:cTn>
+                        </p:par>
+                      </p:childTnLst>
+                    </p:cTn>
+                  </p:par>
+                  <p:par>
+                    <p:cTn id="9" fill="hold">
+                      <p:stCondLst>
+                        <p:cond delay="indefinite"/>
+                      </p:stCondLst>
+                      <p:childTnLst>
+                        <p:par>
+                          <p:cTn id="10" fill="hold">
+                            <p:stCondLst>
+                              <p:cond delay="0"/>
+                            </p:stCondLst>
+                            <p:childTnLst>
+                              <p:par>
+                                <p:cTn id="11" presetID="1" presetClass="entr" presetSubtype="0" fill="hold" nodeType="clickEffect">
+                                  <p:stCondLst>
+                                    <p:cond delay="0"/>
+                                  </p:stCondLst>
+                                  <p:childTnLst>
+                                    <p:set>
+                                      <p:cBhvr>
+                                        <p:cTn id="12" dur="1" fill="hold">
+                                          <p:stCondLst>
+                                            <p:cond delay="0"/>
+                                          </p:stCondLst>
+                                        </p:cTn>
+                                        <p:tgtEl>
+                                          <p:spTgt spid="4">
+                                            <p:txEl>
+                                              <p:pRg st="7" end="7"/>
+                                            </p:txEl>
+                                          </p:spTgt>
+                                        </p:tgtEl>
+                                        <p:attrNameLst>
+                                          <p:attrName>style.visibility</p:attrName>
+                                        </p:attrNameLst>
+                                      </p:cBhvr>
+                                      <p:to>
+                                        <p:strVal val="visible"/>
+                                      </p:to>
+                                    </p:set>
+                                  </p:childTnLst>
+                                </p:cTn>
+                              </p:par>
+                            </p:childTnLst>
+                          </p:cTn>
+                        </p:par>
+                      </p:childTnLst>
+                    </p:cTn>
+                  </p:par>
+                  <p:par>
+                    <p:cTn id="13" fill="hold">
+                      <p:stCondLst>
+                        <p:cond delay="indefinite"/>
+                      </p:stCondLst>
+                      <p:childTnLst>
+                        <p:par>
+                          <p:cTn id="14" fill="hold">
+                            <p:stCondLst>
+                              <p:cond delay="0"/>
+                            </p:stCondLst>
+                            <p:childTnLst>
+                              <p:par>
+                                <p:cTn id="15" presetID="1" presetClass="entr" presetSubtype="0" fill="hold" nodeType="clickEffect">
+                                  <p:stCondLst>
+                                    <p:cond delay="0"/>
+                                  </p:stCondLst>
+                                  <p:childTnLst>
+                                    <p:set>
+                                      <p:cBhvr>
+                                        <p:cTn id="16" dur="1" fill="hold">
+                                          <p:stCondLst>
+                                            <p:cond delay="0"/>
+                                          </p:stCondLst>
+                                        </p:cTn>
+                                        <p:tgtEl>
+                                          <p:spTgt spid="4">
+                                            <p:txEl>
+                                              <p:pRg st="8" end="8"/>
+                                            </p:txEl>
+                                          </p:spTgt>
+                                        </p:tgtEl>
+                                        <p:attrNameLst>
+                                          <p:attrName>style.visibility</p:attrName>
+                                        </p:attrNameLst>
+                                      </p:cBhvr>
+                                      <p:to>
+                                        <p:strVal val="visible"/>
+                                      </p:to>
+                                    </p:set>
+                                  </p:childTnLst>
+                                </p:cTn>
+                              </p:par>
+                              <p:par>
+                                <p:cTn id="17" presetID="1" presetClass="entr" presetSubtype="0" fill="hold" nodeType="withEffect">
+                                  <p:stCondLst>
+                                    <p:cond delay="0"/>
+                                  </p:stCondLst>
+                                  <p:childTnLst>
+                                    <p:set>
+                                      <p:cBhvr>
+                                        <p:cTn id="18" dur="1" fill="hold">
+                                          <p:stCondLst>
+                                            <p:cond delay="0"/>
+                                          </p:stCondLst>
+                                        </p:cTn>
+                                        <p:tgtEl>
+                                          <p:spTgt spid="4">
+                                            <p:txEl>
+                                              <p:pRg st="9" end="9"/>
+                                            </p:txEl>
+                                          </p:spTgt>
+                                        </p:tgtEl>
+                                        <p:attrNameLst>
+                                          <p:attrName>style.visibility</p:attrName>
+                                        </p:attrNameLst>
+                                      </p:cBhvr>
+                                      <p:to>
+                                        <p:strVal val="visible"/>
+                                      </p:to>
+                                    </p:set>
+                                  </p:childTnLst>
+                                </p:cTn>
+                              </p:par>
+                              <p:par>
+                                <p:cTn id="19" presetID="1" presetClass="entr" presetSubtype="0" fill="hold" nodeType="withEffect">
+                                  <p:stCondLst>
+                                    <p:cond delay="0"/>
+                                  </p:stCondLst>
+                                  <p:childTnLst>
+                                    <p:set>
+                                      <p:cBhvr>
+                                        <p:cTn id="20" dur="1" fill="hold">
+                                          <p:stCondLst>
+                                            <p:cond delay="0"/>
+                                          </p:stCondLst>
+                                        </p:cTn>
+                                        <p:tgtEl>
+                                          <p:spTgt spid="4">
+                                            <p:txEl>
+                                              <p:pRg st="10" end="10"/>
+                                            </p:txEl>
+                                          </p:spTgt>
+                                        </p:tgtEl>
+                                        <p:attrNameLst>
+                                          <p:attrName>style.visibility</p:attrName>
+                                        </p:attrNameLst>
+                                      </p:cBhvr>
+                                      <p:to>
+                                        <p:strVal val="visible"/>
+                                      </p:to>
+                                    </p:set>
+                                  </p:childTnLst>
+                                </p:cTn>
+                              </p:par>
+                              <p:par>
+                                <p:cTn id="21" presetID="1" presetClass="entr" presetSubtype="0" fill="hold" nodeType="withEffect">
+                                  <p:stCondLst>
+                                    <p:cond delay="0"/>
+                                  </p:stCondLst>
+                                  <p:childTnLst>
+                                    <p:set>
+                                      <p:cBhvr>
+                                        <p:cTn id="22" dur="1" fill="hold">
+                                          <p:stCondLst>
+                                            <p:cond delay="0"/>
+                                          </p:stCondLst>
+                                        </p:cTn>
+                                        <p:tgtEl>
+                                          <p:spTgt spid="4">
+                                            <p:txEl>
+                                              <p:pRg st="11" end="11"/>
+                                            </p:txEl>
+                                          </p:spTgt>
+                                        </p:tgtEl>
+                                        <p:attrNameLst>
+                                          <p:attrName>style.visibility</p:attrName>
+                                        </p:attrNameLst>
+                                      </p:cBhvr>
+                                      <p:to>
+                                        <p:strVal val="visible"/>
+                                      </p:to>
+                                    </p:set>
+                                  </p:childTnLst>
+                                </p:cTn>
+                              </p:par>
+                            </p:childTnLst>
+                          </p:cTn>
+                        </p:par>
+                      </p:childTnLst>
+                    </p:cTn>
+                  </p:par>
+                </p:childTnLst>
+              </p:cTn>
+              <p:prevCondLst>
+                <p:cond evt="onPrev" delay="0">
+                  <p:tgtEl>
+                    <p:sldTgt/>
+                  </p:tgtEl>
+                </p:cond>
+              </p:prevCondLst>
+              <p:nextCondLst>
+                <p:cond evt="onNext" delay="0">
+                  <p:tgtEl>
+                    <p:sldTgt/>
+                  </p:tgtEl>
+                </p:cond>
+              </p:nextCondLst>
+            </p:seq>
+          </p:childTnLst>
+        </p:cTn>
+      </p:par>
+    </p:tnLst>
+  </p:timing>
+</p:sld>
+</file>
+
+<file path=ppt/slides/slide21.xml><?xml version="1.0" encoding="utf-8"?>
+<p:sld xmlns:a="http://schemas.openxmlformats.org/drawingml/2006/main" xmlns:r="http://schemas.openxmlformats.org/officeDocument/2006/relationships" xmlns:p="http://schemas.openxmlformats.org/presentationml/2006/main">
+  <p:cSld>
+    <p:spTree>
+      <p:nvGrpSpPr>
+        <p:cNvPr id="1" name=""/>
+        <p:cNvGrpSpPr/>
+        <p:nvPr/>
+      </p:nvGrpSpPr>
+      <p:grpSpPr>
+        <a:xfrm>
+          <a:off x="0" y="0"/>
+          <a:ext cx="0" cy="0"/>
+          <a:chOff x="0" y="0"/>
+          <a:chExt cx="0" cy="0"/>
+        </a:xfrm>
+      </p:grpSpPr>
+      <p:sp>
+        <p:nvSpPr>
+          <p:cNvPr id="2" name="Title 1">
+            <a:extLst>
+              <a:ext uri="{FF2B5EF4-FFF2-40B4-BE49-F238E27FC236}">
+                <a16:creationId xmlns:a16="http://schemas.microsoft.com/office/drawing/2014/main" id="{716B002B-425C-6646-ABEE-5EBBC951985C}"/>
+              </a:ext>
+            </a:extLst>
+          </p:cNvPr>
+          <p:cNvSpPr>
+            <a:spLocks noGrp="1"/>
+          </p:cNvSpPr>
+          <p:nvPr>
+            <p:ph type="title"/>
+          </p:nvPr>
+        </p:nvSpPr>
+        <p:spPr/>
+        <p:txBody>
+          <a:bodyPr/>
+          <a:lstStyle/>
+          <a:p>
+            <a:r>
+              <a:rPr lang="en-US" dirty="0"/>
+              <a:t>Class Exercise</a:t>
+            </a:r>
+          </a:p>
+        </p:txBody>
+      </p:sp>
+      <mc:AlternateContent xmlns:mc="http://schemas.openxmlformats.org/markup-compatibility/2006">
+        <mc:Choice xmlns:a14="http://schemas.microsoft.com/office/drawing/2010/main" Requires="a14">
+          <p:sp>
+            <p:nvSpPr>
+              <p:cNvPr id="3" name="Content Placeholder 2">
+                <a:extLst>
+                  <a:ext uri="{FF2B5EF4-FFF2-40B4-BE49-F238E27FC236}">
+                    <a16:creationId xmlns:a16="http://schemas.microsoft.com/office/drawing/2014/main" id="{DD4C27B4-44D1-F741-8ED2-83BCE9E6A439}"/>
+                  </a:ext>
+                </a:extLst>
+              </p:cNvPr>
+              <p:cNvSpPr>
+                <a:spLocks noGrp="1"/>
+              </p:cNvSpPr>
+              <p:nvPr>
+                <p:ph idx="1"/>
+              </p:nvPr>
+            </p:nvSpPr>
+            <p:spPr/>
+            <p:txBody>
+              <a:bodyPr/>
+              <a:lstStyle/>
+              <a:p>
+                <a:r>
+                  <a:rPr lang="en-US" dirty="0"/>
+                  <a:t>Copy the lecture_7 notebook</a:t>
+                </a:r>
+              </a:p>
+              <a:p>
+                <a:r>
+                  <a:rPr lang="en-US" dirty="0"/>
+                  <a:t>Adapt to </a:t>
+                </a:r>
+                <a14:m>
+                  <m:oMath xmlns:m="http://schemas.openxmlformats.org/officeDocument/2006/math">
+                    <m:r>
+                      <a:rPr lang="en-US" i="1">
+                        <a:latin typeface="Cambria Math" panose="02040503050406030204" pitchFamily="18" charset="0"/>
+                      </a:rPr>
+                      <m:t>𝐴</m:t>
+                    </m:r>
+                    <m:r>
+                      <a:rPr lang="en-US" i="1">
+                        <a:latin typeface="Cambria Math" panose="02040503050406030204" pitchFamily="18" charset="0"/>
+                      </a:rPr>
+                      <m:t>→</m:t>
+                    </m:r>
+                    <m:r>
+                      <a:rPr lang="en-US" i="1">
+                        <a:latin typeface="Cambria Math" panose="02040503050406030204" pitchFamily="18" charset="0"/>
+                      </a:rPr>
+                      <m:t>𝐵</m:t>
+                    </m:r>
+                    <m:r>
+                      <a:rPr lang="en-US" i="1">
+                        <a:latin typeface="Cambria Math" panose="02040503050406030204" pitchFamily="18" charset="0"/>
+                      </a:rPr>
+                      <m:t>;</m:t>
+                    </m:r>
+                    <m:sSub>
+                      <m:sSubPr>
+                        <m:ctrlPr>
+                          <a:rPr lang="en-US" i="1">
+                            <a:latin typeface="Cambria Math" panose="02040503050406030204" pitchFamily="18" charset="0"/>
+                          </a:rPr>
+                        </m:ctrlPr>
+                      </m:sSubPr>
+                      <m:e>
+                        <m:r>
+                          <a:rPr lang="en-US" i="1">
+                            <a:latin typeface="Cambria Math" panose="02040503050406030204" pitchFamily="18" charset="0"/>
+                          </a:rPr>
+                          <m:t>𝑘</m:t>
+                        </m:r>
+                      </m:e>
+                      <m:sub>
+                        <m:r>
+                          <a:rPr lang="en-US" i="1">
+                            <a:latin typeface="Cambria Math" panose="02040503050406030204" pitchFamily="18" charset="0"/>
+                          </a:rPr>
+                          <m:t>1</m:t>
+                        </m:r>
+                      </m:sub>
+                    </m:sSub>
+                    <m:r>
+                      <a:rPr lang="en-US" i="1">
+                        <a:latin typeface="Cambria Math" panose="02040503050406030204" pitchFamily="18" charset="0"/>
+                      </a:rPr>
+                      <m:t>𝐴</m:t>
+                    </m:r>
+                    <m:r>
+                      <a:rPr lang="en-US" i="1">
+                        <a:latin typeface="Cambria Math" panose="02040503050406030204" pitchFamily="18" charset="0"/>
+                      </a:rPr>
+                      <m:t>,  </m:t>
+                    </m:r>
+                    <m:r>
+                      <a:rPr lang="en-US" i="1">
+                        <a:latin typeface="Cambria Math" panose="02040503050406030204" pitchFamily="18" charset="0"/>
+                      </a:rPr>
+                      <m:t>𝐵</m:t>
+                    </m:r>
+                    <m:r>
+                      <a:rPr lang="en-US" i="1">
+                        <a:latin typeface="Cambria Math" panose="02040503050406030204" pitchFamily="18" charset="0"/>
+                      </a:rPr>
+                      <m:t>→</m:t>
+                    </m:r>
+                    <m:r>
+                      <a:rPr lang="en-US" i="1">
+                        <a:latin typeface="Cambria Math" panose="02040503050406030204" pitchFamily="18" charset="0"/>
+                      </a:rPr>
+                      <m:t>𝐶</m:t>
+                    </m:r>
+                    <m:r>
+                      <a:rPr lang="en-US" i="1">
+                        <a:latin typeface="Cambria Math" panose="02040503050406030204" pitchFamily="18" charset="0"/>
+                      </a:rPr>
+                      <m:t>;</m:t>
+                    </m:r>
+                    <m:sSub>
+                      <m:sSubPr>
+                        <m:ctrlPr>
+                          <a:rPr lang="en-US" i="1">
+                            <a:latin typeface="Cambria Math" panose="02040503050406030204" pitchFamily="18" charset="0"/>
+                          </a:rPr>
+                        </m:ctrlPr>
+                      </m:sSubPr>
+                      <m:e>
+                        <m:r>
+                          <a:rPr lang="en-US" i="1">
+                            <a:latin typeface="Cambria Math" panose="02040503050406030204" pitchFamily="18" charset="0"/>
+                          </a:rPr>
+                          <m:t>𝑘</m:t>
+                        </m:r>
+                      </m:e>
+                      <m:sub>
+                        <m:r>
+                          <a:rPr lang="en-US" i="1">
+                            <a:latin typeface="Cambria Math" panose="02040503050406030204" pitchFamily="18" charset="0"/>
+                          </a:rPr>
+                          <m:t>2</m:t>
+                        </m:r>
+                      </m:sub>
+                    </m:sSub>
+                    <m:r>
+                      <a:rPr lang="en-US" i="1">
+                        <a:latin typeface="Cambria Math" panose="02040503050406030204" pitchFamily="18" charset="0"/>
+                      </a:rPr>
+                      <m:t>𝐵</m:t>
+                    </m:r>
+                  </m:oMath>
+                </a14:m>
+                <a:endParaRPr lang="en-US" i="1" dirty="0">
+                  <a:latin typeface="Cambria Math" panose="02040503050406030204" pitchFamily="18" charset="0"/>
+                </a:endParaRPr>
+              </a:p>
+              <a:p>
+                <a:r>
+                  <a:rPr lang="en-US" dirty="0"/>
+                  <a:t>Run 5 replications of 2 values for the kinetics constants to assess accuracy of </a:t>
+                </a:r>
+                <a:r>
+                  <a:rPr lang="en-US" dirty="0" err="1"/>
+                  <a:t>leastsq</a:t>
+                </a:r>
+                <a:r>
+                  <a:rPr lang="en-US" dirty="0"/>
+                  <a:t> vs. </a:t>
+                </a:r>
+                <a:r>
+                  <a:rPr lang="en-US" dirty="0" err="1"/>
+                  <a:t>differential_evolution</a:t>
+                </a:r>
+                <a:endParaRPr lang="en-US" dirty="0"/>
+              </a:p>
+            </p:txBody>
+          </p:sp>
+        </mc:Choice>
+        <mc:Fallback>
+          <p:sp>
+            <p:nvSpPr>
+              <p:cNvPr id="3" name="Content Placeholder 2">
+                <a:extLst>
+                  <a:ext uri="{FF2B5EF4-FFF2-40B4-BE49-F238E27FC236}">
+                    <a16:creationId xmlns:a16="http://schemas.microsoft.com/office/drawing/2014/main" id="{DD4C27B4-44D1-F741-8ED2-83BCE9E6A439}"/>
+                  </a:ext>
+                </a:extLst>
+              </p:cNvPr>
+              <p:cNvSpPr>
+                <a:spLocks noGrp="1" noRot="1" noChangeAspect="1" noMove="1" noResize="1" noEditPoints="1" noAdjustHandles="1" noChangeArrowheads="1" noChangeShapeType="1" noTextEdit="1"/>
+              </p:cNvSpPr>
+              <p:nvPr>
+                <p:ph idx="1"/>
+              </p:nvPr>
+            </p:nvSpPr>
+            <p:spPr>
+              <a:blipFill>
+                <a:blip r:embed="rId2"/>
+                <a:stretch>
+                  <a:fillRect l="-1852" t="-1944"/>
+                </a:stretch>
+              </a:blipFill>
+            </p:spPr>
+            <p:txBody>
+              <a:bodyPr/>
+              <a:lstStyle/>
+              <a:p>
+                <a:r>
+                  <a:rPr lang="en-US">
+                    <a:noFill/>
+                  </a:rPr>
+                  <a:t> </a:t>
+                </a:r>
+              </a:p>
+            </p:txBody>
+          </p:sp>
+        </mc:Fallback>
+      </mc:AlternateContent>
+      <p:sp>
+        <p:nvSpPr>
+          <p:cNvPr id="4" name="Slide Number Placeholder 3">
+            <a:extLst>
+              <a:ext uri="{FF2B5EF4-FFF2-40B4-BE49-F238E27FC236}">
+                <a16:creationId xmlns:a16="http://schemas.microsoft.com/office/drawing/2014/main" id="{4A6047ED-BE63-5749-A5B4-4B251231C585}"/>
+              </a:ext>
+            </a:extLst>
+          </p:cNvPr>
+          <p:cNvSpPr>
+            <a:spLocks noGrp="1"/>
+          </p:cNvSpPr>
+          <p:nvPr>
+            <p:ph type="sldNum" sz="quarter" idx="11"/>
+          </p:nvPr>
+        </p:nvSpPr>
+        <p:spPr/>
+        <p:txBody>
+          <a:bodyPr/>
+          <a:lstStyle/>
+          <a:p>
+            <a:pPr>
+              <a:defRPr/>
+            </a:pPr>
+            <a:fld id="{3EF4E9CC-9D91-476E-91FD-5BEEC1642931}" type="slidenum">
+              <a:rPr lang="en-US" altLang="x-none" smtClean="0"/>
+              <a:pPr>
+                <a:defRPr/>
+              </a:pPr>
+              <a:t>21</a:t>
+            </a:fld>
+            <a:endParaRPr lang="en-US" altLang="x-none"/>
+          </a:p>
+        </p:txBody>
+      </p:sp>
+    </p:spTree>
+    <p:extLst>
+      <p:ext uri="{BB962C8B-B14F-4D97-AF65-F5344CB8AC3E}">
+        <p14:creationId xmlns:p14="http://schemas.microsoft.com/office/powerpoint/2010/main" val="4151797069"/>
+      </p:ext>
+    </p:extLst>
+  </p:cSld>
+  <p:clrMapOvr>
+    <a:masterClrMapping/>
+  </p:clrMapOvr>
+</p:sld>
+</file>
+
+<file path=ppt/slides/slide22.xml><?xml version="1.0" encoding="utf-8"?>
+<p:sld xmlns:a="http://schemas.openxmlformats.org/drawingml/2006/main" xmlns:r="http://schemas.openxmlformats.org/officeDocument/2006/relationships" xmlns:p="http://schemas.openxmlformats.org/presentationml/2006/main">
+  <p:cSld>
+    <p:spTree>
+      <p:nvGrpSpPr>
+        <p:cNvPr id="1" name=""/>
+        <p:cNvGrpSpPr/>
+        <p:nvPr/>
+      </p:nvGrpSpPr>
+      <p:grpSpPr>
+        <a:xfrm>
+          <a:off x="0" y="0"/>
+          <a:ext cx="0" cy="0"/>
+          <a:chOff x="0" y="0"/>
+          <a:chExt cx="0" cy="0"/>
+        </a:xfrm>
+      </p:grpSpPr>
+      <p:sp>
+        <p:nvSpPr>
+          <p:cNvPr id="2" name="Title 1">
+            <a:extLst>
+              <a:ext uri="{FF2B5EF4-FFF2-40B4-BE49-F238E27FC236}">
+                <a16:creationId xmlns:a16="http://schemas.microsoft.com/office/drawing/2014/main" id="{12988996-3161-0F4B-A545-D20052145227}"/>
+              </a:ext>
+            </a:extLst>
+          </p:cNvPr>
+          <p:cNvSpPr>
+            <a:spLocks noGrp="1"/>
+          </p:cNvSpPr>
+          <p:nvPr>
+            <p:ph type="title"/>
+          </p:nvPr>
+        </p:nvSpPr>
+        <p:spPr/>
+        <p:txBody>
+          <a:bodyPr/>
+          <a:lstStyle/>
+          <a:p>
+            <a:r>
+              <a:rPr lang="en-US" dirty="0"/>
+              <a:t>More Sophisticated Infrastructure</a:t>
+            </a:r>
+          </a:p>
+        </p:txBody>
+      </p:sp>
+      <p:sp>
+        <p:nvSpPr>
+          <p:cNvPr id="3" name="Content Placeholder 2">
+            <a:extLst>
+              <a:ext uri="{FF2B5EF4-FFF2-40B4-BE49-F238E27FC236}">
+                <a16:creationId xmlns:a16="http://schemas.microsoft.com/office/drawing/2014/main" id="{2C08A17B-35E2-6343-8CC5-0CF4A99EEE27}"/>
+              </a:ext>
+            </a:extLst>
+          </p:cNvPr>
+          <p:cNvSpPr>
+            <a:spLocks noGrp="1"/>
+          </p:cNvSpPr>
+          <p:nvPr>
+            <p:ph idx="1"/>
+          </p:nvPr>
+        </p:nvSpPr>
+        <p:spPr/>
+        <p:txBody>
+          <a:bodyPr/>
+          <a:lstStyle/>
+          <a:p>
+            <a:r>
+              <a:rPr lang="en-US" dirty="0"/>
+              <a:t>Don’t want to be constantly changing notebook codes</a:t>
+            </a:r>
+          </a:p>
+          <a:p>
+            <a:r>
+              <a:rPr lang="en-US" dirty="0"/>
+              <a:t>What is a more convenient computational abstraction?</a:t>
+            </a:r>
+          </a:p>
+        </p:txBody>
+      </p:sp>
+      <p:sp>
+        <p:nvSpPr>
+          <p:cNvPr id="4" name="Slide Number Placeholder 3">
+            <a:extLst>
+              <a:ext uri="{FF2B5EF4-FFF2-40B4-BE49-F238E27FC236}">
+                <a16:creationId xmlns:a16="http://schemas.microsoft.com/office/drawing/2014/main" id="{AC6F62CC-60F8-694D-B325-A975BE3DDEA7}"/>
+              </a:ext>
+            </a:extLst>
+          </p:cNvPr>
+          <p:cNvSpPr>
+            <a:spLocks noGrp="1"/>
+          </p:cNvSpPr>
+          <p:nvPr>
+            <p:ph type="sldNum" sz="quarter" idx="11"/>
+          </p:nvPr>
+        </p:nvSpPr>
+        <p:spPr/>
+        <p:txBody>
+          <a:bodyPr/>
+          <a:lstStyle/>
+          <a:p>
+            <a:pPr>
+              <a:defRPr/>
+            </a:pPr>
+            <a:fld id="{3EF4E9CC-9D91-476E-91FD-5BEEC1642931}" type="slidenum">
+              <a:rPr lang="en-US" altLang="x-none" smtClean="0"/>
+              <a:pPr>
+                <a:defRPr/>
+              </a:pPr>
+              <a:t>22</a:t>
+            </a:fld>
+            <a:endParaRPr lang="en-US" altLang="x-none"/>
+          </a:p>
+        </p:txBody>
+      </p:sp>
+    </p:spTree>
+    <p:extLst>
+      <p:ext uri="{BB962C8B-B14F-4D97-AF65-F5344CB8AC3E}">
+        <p14:creationId xmlns:p14="http://schemas.microsoft.com/office/powerpoint/2010/main" val="3771561139"/>
       </p:ext>
     </p:extLst>
   </p:cSld>
@@ -9315,8 +12244,8 @@
           </a:p>
         </p:txBody>
       </p:sp>
-      <mc:AlternateContent xmlns:mc="http://schemas.openxmlformats.org/markup-compatibility/2006">
-        <mc:Choice xmlns:a14="http://schemas.microsoft.com/office/drawing/2010/main" Requires="a14">
+      <mc:AlternateContent xmlns:mc="http://schemas.openxmlformats.org/markup-compatibility/2006" xmlns:a14="http://schemas.microsoft.com/office/drawing/2010/main">
+        <mc:Choice Requires="a14">
           <p:sp>
             <p:nvSpPr>
               <p:cNvPr id="5" name="TextBox 4">
@@ -9345,6 +12274,7 @@
               </a:bodyPr>
               <a:lstStyle/>
               <a:p>
+                <a:pPr/>
                 <a14:m>
                   <m:oMathPara xmlns:m="http://schemas.openxmlformats.org/officeDocument/2006/math">
                     <m:oMathParaPr>
@@ -9414,7 +12344,7 @@
             </p:txBody>
           </p:sp>
         </mc:Choice>
-        <mc:Fallback>
+        <mc:Fallback xmlns="">
           <p:sp>
             <p:nvSpPr>
               <p:cNvPr id="5" name="TextBox 4">
@@ -9459,8 +12389,8 @@
           </p:sp>
         </mc:Fallback>
       </mc:AlternateContent>
-      <mc:AlternateContent xmlns:mc="http://schemas.openxmlformats.org/markup-compatibility/2006">
-        <mc:Choice xmlns:a14="http://schemas.microsoft.com/office/drawing/2010/main" Requires="a14">
+      <mc:AlternateContent xmlns:mc="http://schemas.openxmlformats.org/markup-compatibility/2006" xmlns:a14="http://schemas.microsoft.com/office/drawing/2010/main">
+        <mc:Choice Requires="a14">
           <p:sp>
             <p:nvSpPr>
               <p:cNvPr id="7" name="TextBox 6">
@@ -9622,7 +12552,7 @@
             </p:txBody>
           </p:sp>
         </mc:Choice>
-        <mc:Fallback>
+        <mc:Fallback xmlns="">
           <p:sp>
             <p:nvSpPr>
               <p:cNvPr id="7" name="TextBox 6">
@@ -9667,8 +12597,8 @@
           </p:sp>
         </mc:Fallback>
       </mc:AlternateContent>
-      <mc:AlternateContent xmlns:mc="http://schemas.openxmlformats.org/markup-compatibility/2006">
-        <mc:Choice xmlns:a14="http://schemas.microsoft.com/office/drawing/2010/main" Requires="a14">
+      <mc:AlternateContent xmlns:mc="http://schemas.openxmlformats.org/markup-compatibility/2006" xmlns:a14="http://schemas.microsoft.com/office/drawing/2010/main">
+        <mc:Choice Requires="a14">
           <p:sp>
             <p:nvSpPr>
               <p:cNvPr id="8" name="TextBox 7">
@@ -9697,6 +12627,7 @@
               </a:bodyPr>
               <a:lstStyle/>
               <a:p>
+                <a:pPr/>
                 <a14:m>
                   <m:oMathPara xmlns:m="http://schemas.openxmlformats.org/officeDocument/2006/math">
                     <m:oMathParaPr>
@@ -9766,7 +12697,7 @@
             </p:txBody>
           </p:sp>
         </mc:Choice>
-        <mc:Fallback>
+        <mc:Fallback xmlns="">
           <p:sp>
             <p:nvSpPr>
               <p:cNvPr id="8" name="TextBox 7">
@@ -9811,8 +12742,8 @@
           </p:sp>
         </mc:Fallback>
       </mc:AlternateContent>
-      <mc:AlternateContent xmlns:mc="http://schemas.openxmlformats.org/markup-compatibility/2006">
-        <mc:Choice xmlns:a14="http://schemas.microsoft.com/office/drawing/2010/main" Requires="a14">
+      <mc:AlternateContent xmlns:mc="http://schemas.openxmlformats.org/markup-compatibility/2006" xmlns:a14="http://schemas.microsoft.com/office/drawing/2010/main">
+        <mc:Choice Requires="a14">
           <p:sp>
             <p:nvSpPr>
               <p:cNvPr id="10" name="TextBox 9">
@@ -9841,6 +12772,7 @@
               </a:bodyPr>
               <a:lstStyle/>
               <a:p>
+                <a:pPr/>
                 <a14:m>
                   <m:oMathPara xmlns:m="http://schemas.openxmlformats.org/officeDocument/2006/math">
                     <m:oMathParaPr>
@@ -9910,7 +12842,7 @@
             </p:txBody>
           </p:sp>
         </mc:Choice>
-        <mc:Fallback>
+        <mc:Fallback xmlns="">
           <p:sp>
             <p:nvSpPr>
               <p:cNvPr id="10" name="TextBox 9">
@@ -10068,8 +13000,8 @@
           </a:fontRef>
         </p:style>
       </p:cxnSp>
-      <mc:AlternateContent xmlns:mc="http://schemas.openxmlformats.org/markup-compatibility/2006">
-        <mc:Choice xmlns:a14="http://schemas.microsoft.com/office/drawing/2010/main" Requires="a14">
+      <mc:AlternateContent xmlns:mc="http://schemas.openxmlformats.org/markup-compatibility/2006" xmlns:a14="http://schemas.microsoft.com/office/drawing/2010/main">
+        <mc:Choice Requires="a14">
           <p:sp>
             <p:nvSpPr>
               <p:cNvPr id="16" name="TextBox 15">
@@ -10231,7 +13163,7 @@
             </p:txBody>
           </p:sp>
         </mc:Choice>
-        <mc:Fallback>
+        <mc:Fallback xmlns="">
           <p:sp>
             <p:nvSpPr>
               <p:cNvPr id="16" name="TextBox 15">
@@ -10276,8 +13208,8 @@
           </p:sp>
         </mc:Fallback>
       </mc:AlternateContent>
-      <mc:AlternateContent xmlns:mc="http://schemas.openxmlformats.org/markup-compatibility/2006">
-        <mc:Choice xmlns:a14="http://schemas.microsoft.com/office/drawing/2010/main" Requires="a14">
+      <mc:AlternateContent xmlns:mc="http://schemas.openxmlformats.org/markup-compatibility/2006" xmlns:a14="http://schemas.microsoft.com/office/drawing/2010/main">
+        <mc:Choice Requires="a14">
           <p:sp>
             <p:nvSpPr>
               <p:cNvPr id="18" name="TextBox 17">
@@ -10439,7 +13371,7 @@
             </p:txBody>
           </p:sp>
         </mc:Choice>
-        <mc:Fallback>
+        <mc:Fallback xmlns="">
           <p:sp>
             <p:nvSpPr>
               <p:cNvPr id="18" name="TextBox 17">
@@ -11184,8 +14116,8 @@
           </a:p>
         </p:txBody>
       </p:sp>
-      <mc:AlternateContent xmlns:mc="http://schemas.openxmlformats.org/markup-compatibility/2006">
-        <mc:Choice xmlns:a14="http://schemas.microsoft.com/office/drawing/2010/main" Requires="a14">
+      <mc:AlternateContent xmlns:mc="http://schemas.openxmlformats.org/markup-compatibility/2006" xmlns:a14="http://schemas.microsoft.com/office/drawing/2010/main">
+        <mc:Choice Requires="a14">
           <p:sp>
             <p:nvSpPr>
               <p:cNvPr id="18" name="Rectangle 17">
@@ -11344,7 +14276,7 @@
             </p:txBody>
           </p:sp>
         </mc:Choice>
-        <mc:Fallback>
+        <mc:Fallback xmlns="">
           <p:sp>
             <p:nvSpPr>
               <p:cNvPr id="18" name="Rectangle 17">
@@ -11389,8 +14321,8 @@
           </p:sp>
         </mc:Fallback>
       </mc:AlternateContent>
-      <mc:AlternateContent xmlns:mc="http://schemas.openxmlformats.org/markup-compatibility/2006">
-        <mc:Choice xmlns:a14="http://schemas.microsoft.com/office/drawing/2010/main" Requires="a14">
+      <mc:AlternateContent xmlns:mc="http://schemas.openxmlformats.org/markup-compatibility/2006" xmlns:a14="http://schemas.microsoft.com/office/drawing/2010/main">
+        <mc:Choice Requires="a14">
           <p:sp>
             <p:nvSpPr>
               <p:cNvPr id="19" name="TextBox 18">
@@ -11419,6 +14351,7 @@
               </a:bodyPr>
               <a:lstStyle/>
               <a:p>
+                <a:pPr/>
                 <a14:m>
                   <m:oMathPara xmlns:m="http://schemas.openxmlformats.org/officeDocument/2006/math">
                     <m:oMathParaPr>
@@ -11576,7 +14509,7 @@
             </p:txBody>
           </p:sp>
         </mc:Choice>
-        <mc:Fallback>
+        <mc:Fallback xmlns="">
           <p:sp>
             <p:nvSpPr>
               <p:cNvPr id="19" name="TextBox 18">
@@ -12149,8 +15082,8 @@
             </a:extLst>
           </p:spPr>
         </p:pic>
-        <mc:AlternateContent xmlns:mc="http://schemas.openxmlformats.org/markup-compatibility/2006">
-          <mc:Choice xmlns:a14="http://schemas.microsoft.com/office/drawing/2010/main" Requires="a14">
+        <mc:AlternateContent xmlns:mc="http://schemas.openxmlformats.org/markup-compatibility/2006" xmlns:a14="http://schemas.microsoft.com/office/drawing/2010/main">
+          <mc:Choice Requires="a14">
             <p:sp>
               <p:nvSpPr>
                 <p:cNvPr id="9" name="TextBox 8">
@@ -12179,6 +15112,7 @@
                 </a:bodyPr>
                 <a:lstStyle/>
                 <a:p>
+                  <a:pPr/>
                   <a14:m>
                     <m:oMathPara xmlns:m="http://schemas.openxmlformats.org/officeDocument/2006/math">
                       <m:oMathParaPr>
@@ -12211,7 +15145,7 @@
               </p:txBody>
             </p:sp>
           </mc:Choice>
-          <mc:Fallback>
+          <mc:Fallback xmlns="">
             <p:sp>
               <p:nvSpPr>
                 <p:cNvPr id="9" name="TextBox 8">
@@ -12256,8 +15190,8 @@
             </p:sp>
           </mc:Fallback>
         </mc:AlternateContent>
-        <mc:AlternateContent xmlns:mc="http://schemas.openxmlformats.org/markup-compatibility/2006">
-          <mc:Choice xmlns:a14="http://schemas.microsoft.com/office/drawing/2010/main" Requires="a14">
+        <mc:AlternateContent xmlns:mc="http://schemas.openxmlformats.org/markup-compatibility/2006" xmlns:a14="http://schemas.microsoft.com/office/drawing/2010/main">
+          <mc:Choice Requires="a14">
             <p:sp>
               <p:nvSpPr>
                 <p:cNvPr id="15" name="TextBox 14">
@@ -12286,6 +15220,7 @@
                 </a:bodyPr>
                 <a:lstStyle/>
                 <a:p>
+                  <a:pPr/>
                   <a14:m>
                     <m:oMathPara xmlns:m="http://schemas.openxmlformats.org/officeDocument/2006/math">
                       <m:oMathParaPr>
@@ -12325,7 +15260,7 @@
               </p:txBody>
             </p:sp>
           </mc:Choice>
-          <mc:Fallback>
+          <mc:Fallback xmlns="">
             <p:sp>
               <p:nvSpPr>
                 <p:cNvPr id="15" name="TextBox 14">
@@ -12440,8 +15375,8 @@
             </a:p>
           </p:txBody>
         </p:sp>
-        <mc:AlternateContent xmlns:mc="http://schemas.openxmlformats.org/markup-compatibility/2006">
-          <mc:Choice xmlns:a14="http://schemas.microsoft.com/office/drawing/2010/main" Requires="a14">
+        <mc:AlternateContent xmlns:mc="http://schemas.openxmlformats.org/markup-compatibility/2006" xmlns:a14="http://schemas.microsoft.com/office/drawing/2010/main">
+          <mc:Choice Requires="a14">
             <p:sp>
               <p:nvSpPr>
                 <p:cNvPr id="57" name="TextBox 56">
@@ -12472,6 +15407,7 @@
                 </a:bodyPr>
                 <a:lstStyle/>
                 <a:p>
+                  <a:pPr/>
                   <a14:m>
                     <m:oMathPara xmlns:m="http://schemas.openxmlformats.org/officeDocument/2006/math">
                       <m:oMathParaPr>
@@ -12481,7 +15417,7 @@
                         <m:sSub>
                           <m:sSubPr>
                             <m:ctrlPr>
-                              <a:rPr lang="en-US" b="0" i="0" smtClean="0">
+                              <a:rPr lang="en-US" b="0" i="1" smtClean="0">
                                 <a:latin typeface="Cambria Math" panose="02040503050406030204" pitchFamily="18" charset="0"/>
                               </a:rPr>
                             </m:ctrlPr>
@@ -12523,7 +15459,7 @@
               </p:txBody>
             </p:sp>
           </mc:Choice>
-          <mc:Fallback>
+          <mc:Fallback xmlns="">
             <p:sp>
               <p:nvSpPr>
                 <p:cNvPr id="57" name="TextBox 56">
@@ -12568,8 +15504,8 @@
             </p:sp>
           </mc:Fallback>
         </mc:AlternateContent>
-        <mc:AlternateContent xmlns:mc="http://schemas.openxmlformats.org/markup-compatibility/2006">
-          <mc:Choice xmlns:a14="http://schemas.microsoft.com/office/drawing/2010/main" Requires="a14">
+        <mc:AlternateContent xmlns:mc="http://schemas.openxmlformats.org/markup-compatibility/2006" xmlns:a14="http://schemas.microsoft.com/office/drawing/2010/main">
+          <mc:Choice Requires="a14">
             <p:sp>
               <p:nvSpPr>
                 <p:cNvPr id="59" name="TextBox 58">
@@ -12600,6 +15536,7 @@
                 </a:bodyPr>
                 <a:lstStyle/>
                 <a:p>
+                  <a:pPr/>
                   <a14:m>
                     <m:oMathPara xmlns:m="http://schemas.openxmlformats.org/officeDocument/2006/math">
                       <m:oMathParaPr>
@@ -12651,7 +15588,7 @@
               </p:txBody>
             </p:sp>
           </mc:Choice>
-          <mc:Fallback>
+          <mc:Fallback xmlns="">
             <p:sp>
               <p:nvSpPr>
                 <p:cNvPr id="59" name="TextBox 58">
@@ -12697,8 +15634,8 @@
           </mc:Fallback>
         </mc:AlternateContent>
       </p:grpSp>
-      <mc:AlternateContent xmlns:mc="http://schemas.openxmlformats.org/markup-compatibility/2006">
-        <mc:Choice xmlns:a14="http://schemas.microsoft.com/office/drawing/2010/main" Requires="a14">
+      <mc:AlternateContent xmlns:mc="http://schemas.openxmlformats.org/markup-compatibility/2006" xmlns:a14="http://schemas.microsoft.com/office/drawing/2010/main">
+        <mc:Choice Requires="a14">
           <p:sp>
             <p:nvSpPr>
               <p:cNvPr id="60" name="TextBox 59">
@@ -12903,7 +15840,7 @@
             </p:txBody>
           </p:sp>
         </mc:Choice>
-        <mc:Fallback>
+        <mc:Fallback xmlns="">
           <p:sp>
             <p:nvSpPr>
               <p:cNvPr id="60" name="TextBox 59">
@@ -12948,8 +15885,8 @@
           </p:sp>
         </mc:Fallback>
       </mc:AlternateContent>
-      <mc:AlternateContent xmlns:mc="http://schemas.openxmlformats.org/markup-compatibility/2006">
-        <mc:Choice xmlns:a14="http://schemas.microsoft.com/office/drawing/2010/main" Requires="a14">
+      <mc:AlternateContent xmlns:mc="http://schemas.openxmlformats.org/markup-compatibility/2006" xmlns:a14="http://schemas.microsoft.com/office/drawing/2010/main">
+        <mc:Choice Requires="a14">
           <p:sp>
             <p:nvSpPr>
               <p:cNvPr id="62" name="TextBox 61">
@@ -13037,7 +15974,7 @@
             </p:txBody>
           </p:sp>
         </mc:Choice>
-        <mc:Fallback>
+        <mc:Fallback xmlns="">
           <p:sp>
             <p:nvSpPr>
               <p:cNvPr id="62" name="TextBox 61">
@@ -13082,8 +16019,8 @@
           </p:sp>
         </mc:Fallback>
       </mc:AlternateContent>
-      <mc:AlternateContent xmlns:mc="http://schemas.openxmlformats.org/markup-compatibility/2006">
-        <mc:Choice xmlns:a14="http://schemas.microsoft.com/office/drawing/2010/main" Requires="a14">
+      <mc:AlternateContent xmlns:mc="http://schemas.openxmlformats.org/markup-compatibility/2006" xmlns:a14="http://schemas.microsoft.com/office/drawing/2010/main">
+        <mc:Choice Requires="a14">
           <p:sp>
             <p:nvSpPr>
               <p:cNvPr id="63" name="TextBox 62">
@@ -13221,7 +16158,7 @@
             </p:txBody>
           </p:sp>
         </mc:Choice>
-        <mc:Fallback>
+        <mc:Fallback xmlns="">
           <p:sp>
             <p:nvSpPr>
               <p:cNvPr id="63" name="TextBox 62">
@@ -13266,8 +16203,8 @@
           </p:sp>
         </mc:Fallback>
       </mc:AlternateContent>
-      <mc:AlternateContent xmlns:mc="http://schemas.openxmlformats.org/markup-compatibility/2006">
-        <mc:Choice xmlns:a14="http://schemas.microsoft.com/office/drawing/2010/main" Requires="a14">
+      <mc:AlternateContent xmlns:mc="http://schemas.openxmlformats.org/markup-compatibility/2006" xmlns:a14="http://schemas.microsoft.com/office/drawing/2010/main">
+        <mc:Choice Requires="a14">
           <p:sp>
             <p:nvSpPr>
               <p:cNvPr id="1024" name="TextBox 1023">
@@ -13363,7 +16300,7 @@
             </p:txBody>
           </p:sp>
         </mc:Choice>
-        <mc:Fallback>
+        <mc:Fallback xmlns="">
           <p:sp>
             <p:nvSpPr>
               <p:cNvPr id="1024" name="TextBox 1023">
@@ -13408,8 +16345,8 @@
           </p:sp>
         </mc:Fallback>
       </mc:AlternateContent>
-      <mc:AlternateContent xmlns:mc="http://schemas.openxmlformats.org/markup-compatibility/2006">
-        <mc:Choice xmlns:a14="http://schemas.microsoft.com/office/drawing/2010/main" Requires="a14">
+      <mc:AlternateContent xmlns:mc="http://schemas.openxmlformats.org/markup-compatibility/2006" xmlns:a14="http://schemas.microsoft.com/office/drawing/2010/main">
+        <mc:Choice Requires="a14">
           <p:sp>
             <p:nvSpPr>
               <p:cNvPr id="1025" name="TextBox 1024">
@@ -13442,6 +16379,7 @@
               </a:bodyPr>
               <a:lstStyle/>
               <a:p>
+                <a:pPr/>
                 <a14:m>
                   <m:oMathPara xmlns:m="http://schemas.openxmlformats.org/officeDocument/2006/math">
                     <m:oMathParaPr>
@@ -13474,7 +16412,7 @@
             </p:txBody>
           </p:sp>
         </mc:Choice>
-        <mc:Fallback>
+        <mc:Fallback xmlns="">
           <p:sp>
             <p:nvSpPr>
               <p:cNvPr id="1025" name="TextBox 1024">
@@ -13900,8 +16838,8 @@
           </a:prstGeom>
         </p:spPr>
       </p:pic>
-      <mc:AlternateContent xmlns:mc="http://schemas.openxmlformats.org/markup-compatibility/2006">
-        <mc:Choice xmlns:a14="http://schemas.microsoft.com/office/drawing/2010/main" Requires="a14">
+      <mc:AlternateContent xmlns:mc="http://schemas.openxmlformats.org/markup-compatibility/2006" xmlns:a14="http://schemas.microsoft.com/office/drawing/2010/main">
+        <mc:Choice Requires="a14">
           <p:sp>
             <p:nvSpPr>
               <p:cNvPr id="6" name="TextBox 5">
@@ -14027,7 +16965,7 @@
             </p:txBody>
           </p:sp>
         </mc:Choice>
-        <mc:Fallback>
+        <mc:Fallback xmlns="">
           <p:sp>
             <p:nvSpPr>
               <p:cNvPr id="6" name="TextBox 5">
@@ -14072,8 +17010,8 @@
           </p:sp>
         </mc:Fallback>
       </mc:AlternateContent>
-      <mc:AlternateContent xmlns:mc="http://schemas.openxmlformats.org/markup-compatibility/2006">
-        <mc:Choice xmlns:a14="http://schemas.microsoft.com/office/drawing/2010/main" Requires="a14">
+      <mc:AlternateContent xmlns:mc="http://schemas.openxmlformats.org/markup-compatibility/2006" xmlns:a14="http://schemas.microsoft.com/office/drawing/2010/main">
+        <mc:Choice Requires="a14">
           <p:sp>
             <p:nvSpPr>
               <p:cNvPr id="9" name="TextBox 8">
@@ -14102,6 +17040,7 @@
               </a:bodyPr>
               <a:lstStyle/>
               <a:p>
+                <a:pPr/>
                 <a14:m>
                   <m:oMathPara xmlns:m="http://schemas.openxmlformats.org/officeDocument/2006/math">
                     <m:oMathParaPr>
@@ -14153,7 +17092,7 @@
             </p:txBody>
           </p:sp>
         </mc:Choice>
-        <mc:Fallback>
+        <mc:Fallback xmlns="">
           <p:sp>
             <p:nvSpPr>
               <p:cNvPr id="9" name="TextBox 8">
@@ -14198,8 +17137,8 @@
           </p:sp>
         </mc:Fallback>
       </mc:AlternateContent>
-      <mc:AlternateContent xmlns:mc="http://schemas.openxmlformats.org/markup-compatibility/2006">
-        <mc:Choice xmlns:a14="http://schemas.microsoft.com/office/drawing/2010/main" Requires="a14">
+      <mc:AlternateContent xmlns:mc="http://schemas.openxmlformats.org/markup-compatibility/2006" xmlns:a14="http://schemas.microsoft.com/office/drawing/2010/main">
+        <mc:Choice Requires="a14">
           <p:sp>
             <p:nvSpPr>
               <p:cNvPr id="10" name="TextBox 9">
@@ -14228,6 +17167,7 @@
               </a:bodyPr>
               <a:lstStyle/>
               <a:p>
+                <a:pPr/>
                 <a14:m>
                   <m:oMathPara xmlns:m="http://schemas.openxmlformats.org/officeDocument/2006/math">
                     <m:oMathParaPr>
@@ -14279,7 +17219,7 @@
             </p:txBody>
           </p:sp>
         </mc:Choice>
-        <mc:Fallback>
+        <mc:Fallback xmlns="">
           <p:sp>
             <p:nvSpPr>
               <p:cNvPr id="10" name="TextBox 9">
@@ -14324,8 +17264,8 @@
           </p:sp>
         </mc:Fallback>
       </mc:AlternateContent>
-      <mc:AlternateContent xmlns:mc="http://schemas.openxmlformats.org/markup-compatibility/2006">
-        <mc:Choice xmlns:a14="http://schemas.microsoft.com/office/drawing/2010/main" Requires="a14">
+      <mc:AlternateContent xmlns:mc="http://schemas.openxmlformats.org/markup-compatibility/2006" xmlns:a14="http://schemas.microsoft.com/office/drawing/2010/main">
+        <mc:Choice Requires="a14">
           <p:sp>
             <p:nvSpPr>
               <p:cNvPr id="2" name="Title 1"/>
@@ -14402,7 +17342,7 @@
             </p:txBody>
           </p:sp>
         </mc:Choice>
-        <mc:Fallback>
+        <mc:Fallback xmlns="">
           <p:sp>
             <p:nvSpPr>
               <p:cNvPr id="2" name="Title 1"/>
@@ -14440,8 +17380,8 @@
           </p:sp>
         </mc:Fallback>
       </mc:AlternateContent>
-      <mc:AlternateContent xmlns:mc="http://schemas.openxmlformats.org/markup-compatibility/2006">
-        <mc:Choice xmlns:a14="http://schemas.microsoft.com/office/drawing/2010/main" Requires="a14">
+      <mc:AlternateContent xmlns:mc="http://schemas.openxmlformats.org/markup-compatibility/2006" xmlns:a14="http://schemas.microsoft.com/office/drawing/2010/main">
+        <mc:Choice Requires="a14">
           <p:sp>
             <p:nvSpPr>
               <p:cNvPr id="11" name="TextBox 10">
@@ -14470,6 +17410,7 @@
               </a:bodyPr>
               <a:lstStyle/>
               <a:p>
+                <a:pPr/>
                 <a14:m>
                   <m:oMathPara xmlns:m="http://schemas.openxmlformats.org/officeDocument/2006/math">
                     <m:oMathParaPr>
@@ -14520,7 +17461,7 @@
             </p:txBody>
           </p:sp>
         </mc:Choice>
-        <mc:Fallback>
+        <mc:Fallback xmlns="">
           <p:sp>
             <p:nvSpPr>
               <p:cNvPr id="11" name="TextBox 10">

--- a/lectures/lecture_8/Lecture_8_Model_Fitting_Optimization_Techniques.pptx
+++ b/lectures/lecture_8/Lecture_8_Model_Fitting_Optimization_Techniques.pptx
@@ -10488,7 +10488,15 @@
           <a:p>
             <a:r>
               <a:rPr lang="en-US" dirty="0"/>
-              <a:t>Lecture_8* at http://</a:t>
+              <a:t>Lecture</a:t>
+            </a:r>
+            <a:r>
+              <a:rPr lang="en-US"/>
+              <a:t>_8/ </a:t>
+            </a:r>
+            <a:r>
+              <a:rPr lang="en-US" dirty="0"/>
+              <a:t>at http://</a:t>
             </a:r>
             <a:r>
               <a:rPr lang="en-US" dirty="0" err="1"/>

--- a/lectures/lecture_8/Lecture_8_Model_Fitting_Optimization_Techniques.pptx
+++ b/lectures/lecture_8/Lecture_8_Model_Fitting_Optimization_Techniques.pptx
@@ -10488,15 +10488,7 @@
           <a:p>
             <a:r>
               <a:rPr lang="en-US" dirty="0"/>
-              <a:t>Lecture</a:t>
-            </a:r>
-            <a:r>
-              <a:rPr lang="en-US"/>
-              <a:t>_8/ </a:t>
-            </a:r>
-            <a:r>
-              <a:rPr lang="en-US" dirty="0"/>
-              <a:t>at http://</a:t>
+              <a:t>Lecture_8/ at http://</a:t>
             </a:r>
             <a:r>
               <a:rPr lang="en-US" dirty="0" err="1"/>
@@ -11681,6 +11673,9 @@
                 </a:r>
               </a:p>
               <a:p>
+                <a:pPr marL="457200" lvl="1" indent="0">
+                  <a:buNone/>
+                </a:pPr>
                 <a:r>
                   <a:rPr lang="en-US" dirty="0"/>
                   <a:t>Adapt to </a:t>
@@ -11688,124 +11683,56 @@
                 <a14:m>
                   <m:oMath xmlns:m="http://schemas.openxmlformats.org/officeDocument/2006/math">
                     <m:r>
-                      <a:rPr lang="en-US" i="1">
+                      <a:rPr lang="en-US" sz="3200" i="1">
                         <a:latin typeface="Cambria Math" panose="02040503050406030204" pitchFamily="18" charset="0"/>
                       </a:rPr>
                       <m:t>𝐴</m:t>
                     </m:r>
                     <m:r>
-                      <a:rPr lang="en-US" i="1">
+                      <a:rPr lang="en-US" sz="3200" i="1">
                         <a:latin typeface="Cambria Math" panose="02040503050406030204" pitchFamily="18" charset="0"/>
                       </a:rPr>
                       <m:t>→</m:t>
                     </m:r>
                     <m:r>
-                      <a:rPr lang="en-US" i="1">
+                      <a:rPr lang="en-US" sz="3200" i="1">
                         <a:latin typeface="Cambria Math" panose="02040503050406030204" pitchFamily="18" charset="0"/>
                       </a:rPr>
                       <m:t>𝐵</m:t>
                     </m:r>
                     <m:r>
-                      <a:rPr lang="en-US" i="1">
+                      <a:rPr lang="en-US" sz="3200" i="1">
                         <a:latin typeface="Cambria Math" panose="02040503050406030204" pitchFamily="18" charset="0"/>
                       </a:rPr>
-                      <m:t>;</m:t>
-                    </m:r>
-                    <m:sSub>
-                      <m:sSubPr>
-                        <m:ctrlPr>
-                          <a:rPr lang="en-US" i="1">
-                            <a:latin typeface="Cambria Math" panose="02040503050406030204" pitchFamily="18" charset="0"/>
-                          </a:rPr>
-                        </m:ctrlPr>
-                      </m:sSubPr>
-                      <m:e>
-                        <m:r>
-                          <a:rPr lang="en-US" i="1">
-                            <a:latin typeface="Cambria Math" panose="02040503050406030204" pitchFamily="18" charset="0"/>
-                          </a:rPr>
-                          <m:t>𝑘</m:t>
-                        </m:r>
-                      </m:e>
-                      <m:sub>
-                        <m:r>
-                          <a:rPr lang="en-US" i="1">
-                            <a:latin typeface="Cambria Math" panose="02040503050406030204" pitchFamily="18" charset="0"/>
-                          </a:rPr>
-                          <m:t>1</m:t>
-                        </m:r>
-                      </m:sub>
-                    </m:sSub>
-                    <m:r>
-                      <a:rPr lang="en-US" i="1">
-                        <a:latin typeface="Cambria Math" panose="02040503050406030204" pitchFamily="18" charset="0"/>
-                      </a:rPr>
-                      <m:t>𝐴</m:t>
+                      <m:t>+</m:t>
                     </m:r>
                     <m:r>
-                      <a:rPr lang="en-US" i="1">
-                        <a:latin typeface="Cambria Math" panose="02040503050406030204" pitchFamily="18" charset="0"/>
-                      </a:rPr>
-                      <m:t>,  </m:t>
-                    </m:r>
-                    <m:r>
-                      <a:rPr lang="en-US" i="1">
-                        <a:latin typeface="Cambria Math" panose="02040503050406030204" pitchFamily="18" charset="0"/>
-                      </a:rPr>
-                      <m:t>𝐵</m:t>
-                    </m:r>
-                    <m:r>
-                      <a:rPr lang="en-US" i="1">
-                        <a:latin typeface="Cambria Math" panose="02040503050406030204" pitchFamily="18" charset="0"/>
-                      </a:rPr>
-                      <m:t>→</m:t>
-                    </m:r>
-                    <m:r>
-                      <a:rPr lang="en-US" i="1">
+                      <a:rPr lang="en-US" sz="3200" i="1">
                         <a:latin typeface="Cambria Math" panose="02040503050406030204" pitchFamily="18" charset="0"/>
                       </a:rPr>
                       <m:t>𝐶</m:t>
                     </m:r>
                     <m:r>
-                      <a:rPr lang="en-US" i="1">
+                      <a:rPr lang="en-US" sz="3200" i="1">
                         <a:latin typeface="Cambria Math" panose="02040503050406030204" pitchFamily="18" charset="0"/>
                       </a:rPr>
                       <m:t>;</m:t>
                     </m:r>
-                    <m:sSub>
-                      <m:sSubPr>
-                        <m:ctrlPr>
-                          <a:rPr lang="en-US" i="1">
-                            <a:latin typeface="Cambria Math" panose="02040503050406030204" pitchFamily="18" charset="0"/>
-                          </a:rPr>
-                        </m:ctrlPr>
-                      </m:sSubPr>
-                      <m:e>
-                        <m:r>
-                          <a:rPr lang="en-US" i="1">
-                            <a:latin typeface="Cambria Math" panose="02040503050406030204" pitchFamily="18" charset="0"/>
-                          </a:rPr>
-                          <m:t>𝑘</m:t>
-                        </m:r>
-                      </m:e>
-                      <m:sub>
-                        <m:r>
-                          <a:rPr lang="en-US" i="1">
-                            <a:latin typeface="Cambria Math" panose="02040503050406030204" pitchFamily="18" charset="0"/>
-                          </a:rPr>
-                          <m:t>2</m:t>
-                        </m:r>
-                      </m:sub>
-                    </m:sSub>
                     <m:r>
-                      <a:rPr lang="en-US" i="1">
+                      <a:rPr lang="en-US" sz="3200" i="1">
                         <a:latin typeface="Cambria Math" panose="02040503050406030204" pitchFamily="18" charset="0"/>
                       </a:rPr>
-                      <m:t>𝐵</m:t>
+                      <m:t>𝑘𝐴</m:t>
+                    </m:r>
+                    <m:r>
+                      <a:rPr lang="en-US" sz="3200" i="1">
+                        <a:latin typeface="Cambria Math" panose="02040503050406030204" pitchFamily="18" charset="0"/>
+                      </a:rPr>
+                      <m:t> </m:t>
                     </m:r>
                   </m:oMath>
                 </a14:m>
-                <a:endParaRPr lang="en-US" i="1" dirty="0">
+                <a:endParaRPr lang="en-US" sz="2400" i="1" dirty="0">
                   <a:latin typeface="Cambria Math" panose="02040503050406030204" pitchFamily="18" charset="0"/>
                 </a:endParaRPr>
               </a:p>
